--- a/assets/tactile_image_files/0015-Earth_s_interior/0015-Earth_s_interior.pptx
+++ b/assets/tactile_image_files/0015-Earth_s_interior/0015-Earth_s_interior.pptx
@@ -10,7 +10,7 @@
   <p:sldIdLst>
     <p:sldId id="263" r:id="rId2"/>
     <p:sldId id="262" r:id="rId3"/>
-    <p:sldId id="264" r:id="rId4"/>
+    <p:sldId id="265" r:id="rId4"/>
   </p:sldIdLst>
   <p:sldSz cx="9144000" cy="6858000" type="screen4x3"/>
   <p:notesSz cx="6858000" cy="9144000"/>
@@ -198,7 +198,7 @@
           </a:lstStyle>
           <a:p>
             <a:fld id="{DC880F74-5F87-E94E-8AEF-72C270124CC0}" type="datetimeFigureOut">
-              <a:t>7/23/20</a:t>
+              <a:t>7/12/21</a:t>
             </a:fld>
             <a:endParaRPr lang="en-US"/>
           </a:p>
@@ -603,7 +603,7 @@
           <a:p>
             <a:fld id="{E796F801-3BB8-A247-923B-F07F1B58D38A}" type="datetimeFigureOut">
               <a:rPr lang="en-US" smtClean="0"/>
-              <a:t>7/23/20</a:t>
+              <a:t>7/12/21</a:t>
             </a:fld>
             <a:endParaRPr lang="en-US"/>
           </a:p>
@@ -783,7 +783,7 @@
           <a:p>
             <a:fld id="{E796F801-3BB8-A247-923B-F07F1B58D38A}" type="datetimeFigureOut">
               <a:rPr lang="en-US" smtClean="0"/>
-              <a:t>7/23/20</a:t>
+              <a:t>7/12/21</a:t>
             </a:fld>
             <a:endParaRPr lang="en-US"/>
           </a:p>
@@ -953,7 +953,7 @@
           <a:p>
             <a:fld id="{E796F801-3BB8-A247-923B-F07F1B58D38A}" type="datetimeFigureOut">
               <a:rPr lang="en-US" smtClean="0"/>
-              <a:t>7/23/20</a:t>
+              <a:t>7/12/21</a:t>
             </a:fld>
             <a:endParaRPr lang="en-US"/>
           </a:p>
@@ -1197,7 +1197,7 @@
           <a:p>
             <a:fld id="{E796F801-3BB8-A247-923B-F07F1B58D38A}" type="datetimeFigureOut">
               <a:rPr lang="en-US" smtClean="0"/>
-              <a:t>7/23/20</a:t>
+              <a:t>7/12/21</a:t>
             </a:fld>
             <a:endParaRPr lang="en-US"/>
           </a:p>
@@ -1429,7 +1429,7 @@
           <a:p>
             <a:fld id="{E796F801-3BB8-A247-923B-F07F1B58D38A}" type="datetimeFigureOut">
               <a:rPr lang="en-US" smtClean="0"/>
-              <a:t>7/23/20</a:t>
+              <a:t>7/12/21</a:t>
             </a:fld>
             <a:endParaRPr lang="en-US"/>
           </a:p>
@@ -1796,7 +1796,7 @@
           <a:p>
             <a:fld id="{E796F801-3BB8-A247-923B-F07F1B58D38A}" type="datetimeFigureOut">
               <a:rPr lang="en-US" smtClean="0"/>
-              <a:t>7/23/20</a:t>
+              <a:t>7/12/21</a:t>
             </a:fld>
             <a:endParaRPr lang="en-US"/>
           </a:p>
@@ -1914,7 +1914,7 @@
           <a:p>
             <a:fld id="{E796F801-3BB8-A247-923B-F07F1B58D38A}" type="datetimeFigureOut">
               <a:rPr lang="en-US" smtClean="0"/>
-              <a:t>7/23/20</a:t>
+              <a:t>7/12/21</a:t>
             </a:fld>
             <a:endParaRPr lang="en-US"/>
           </a:p>
@@ -2009,7 +2009,7 @@
           <a:p>
             <a:fld id="{E796F801-3BB8-A247-923B-F07F1B58D38A}" type="datetimeFigureOut">
               <a:rPr lang="en-US" smtClean="0"/>
-              <a:t>7/23/20</a:t>
+              <a:t>7/12/21</a:t>
             </a:fld>
             <a:endParaRPr lang="en-US"/>
           </a:p>
@@ -2286,7 +2286,7 @@
           <a:p>
             <a:fld id="{E796F801-3BB8-A247-923B-F07F1B58D38A}" type="datetimeFigureOut">
               <a:rPr lang="en-US" smtClean="0"/>
-              <a:t>7/23/20</a:t>
+              <a:t>7/12/21</a:t>
             </a:fld>
             <a:endParaRPr lang="en-US"/>
           </a:p>
@@ -2543,7 +2543,7 @@
           <a:p>
             <a:fld id="{E796F801-3BB8-A247-923B-F07F1B58D38A}" type="datetimeFigureOut">
               <a:rPr lang="en-US" smtClean="0"/>
-              <a:t>7/23/20</a:t>
+              <a:t>7/12/21</a:t>
             </a:fld>
             <a:endParaRPr lang="en-US"/>
           </a:p>
@@ -2756,7 +2756,7 @@
           <a:p>
             <a:fld id="{E796F801-3BB8-A247-923B-F07F1B58D38A}" type="datetimeFigureOut">
               <a:rPr lang="en-US" smtClean="0"/>
-              <a:t>7/23/20</a:t>
+              <a:t>7/12/21</a:t>
             </a:fld>
             <a:endParaRPr lang="en-US"/>
           </a:p>
@@ -3161,6 +3161,747 @@
           <a:chExt cx="0" cy="0"/>
         </a:xfrm>
       </p:grpSpPr>
+      <p:sp>
+        <p:nvSpPr>
+          <p:cNvPr id="8" name="Freeform 7">
+            <a:extLst>
+              <a:ext uri="{FF2B5EF4-FFF2-40B4-BE49-F238E27FC236}">
+                <a16:creationId xmlns:a16="http://schemas.microsoft.com/office/drawing/2014/main" id="{4DC3DA04-9DC4-1D47-B174-22C084216945}"/>
+              </a:ext>
+            </a:extLst>
+          </p:cNvPr>
+          <p:cNvSpPr/>
+          <p:nvPr/>
+        </p:nvSpPr>
+        <p:spPr>
+          <a:xfrm>
+            <a:off x="3171825" y="2043113"/>
+            <a:ext cx="2543175" cy="2443162"/>
+          </a:xfrm>
+          <a:custGeom>
+            <a:avLst/>
+            <a:gdLst>
+              <a:gd name="connsiteX0" fmla="*/ 0 w 2543175"/>
+              <a:gd name="connsiteY0" fmla="*/ 228600 h 2443162"/>
+              <a:gd name="connsiteX1" fmla="*/ 614363 w 2543175"/>
+              <a:gd name="connsiteY1" fmla="*/ 2428875 h 2443162"/>
+              <a:gd name="connsiteX2" fmla="*/ 857250 w 2543175"/>
+              <a:gd name="connsiteY2" fmla="*/ 2371725 h 2443162"/>
+              <a:gd name="connsiteX3" fmla="*/ 1171575 w 2543175"/>
+              <a:gd name="connsiteY3" fmla="*/ 2328862 h 2443162"/>
+              <a:gd name="connsiteX4" fmla="*/ 1428750 w 2543175"/>
+              <a:gd name="connsiteY4" fmla="*/ 2328862 h 2443162"/>
+              <a:gd name="connsiteX5" fmla="*/ 1657350 w 2543175"/>
+              <a:gd name="connsiteY5" fmla="*/ 2371725 h 2443162"/>
+              <a:gd name="connsiteX6" fmla="*/ 1871663 w 2543175"/>
+              <a:gd name="connsiteY6" fmla="*/ 2443162 h 2443162"/>
+              <a:gd name="connsiteX7" fmla="*/ 2543175 w 2543175"/>
+              <a:gd name="connsiteY7" fmla="*/ 271462 h 2443162"/>
+              <a:gd name="connsiteX8" fmla="*/ 2200275 w 2543175"/>
+              <a:gd name="connsiteY8" fmla="*/ 157162 h 2443162"/>
+              <a:gd name="connsiteX9" fmla="*/ 1957388 w 2543175"/>
+              <a:gd name="connsiteY9" fmla="*/ 71437 h 2443162"/>
+              <a:gd name="connsiteX10" fmla="*/ 1685925 w 2543175"/>
+              <a:gd name="connsiteY10" fmla="*/ 28575 h 2443162"/>
+              <a:gd name="connsiteX11" fmla="*/ 1443038 w 2543175"/>
+              <a:gd name="connsiteY11" fmla="*/ 14287 h 2443162"/>
+              <a:gd name="connsiteX12" fmla="*/ 1114425 w 2543175"/>
+              <a:gd name="connsiteY12" fmla="*/ 0 h 2443162"/>
+              <a:gd name="connsiteX13" fmla="*/ 771525 w 2543175"/>
+              <a:gd name="connsiteY13" fmla="*/ 42862 h 2443162"/>
+              <a:gd name="connsiteX14" fmla="*/ 442913 w 2543175"/>
+              <a:gd name="connsiteY14" fmla="*/ 100012 h 2443162"/>
+              <a:gd name="connsiteX15" fmla="*/ 185738 w 2543175"/>
+              <a:gd name="connsiteY15" fmla="*/ 185737 h 2443162"/>
+              <a:gd name="connsiteX16" fmla="*/ 0 w 2543175"/>
+              <a:gd name="connsiteY16" fmla="*/ 228600 h 2443162"/>
+            </a:gdLst>
+            <a:ahLst/>
+            <a:cxnLst>
+              <a:cxn ang="0">
+                <a:pos x="connsiteX0" y="connsiteY0"/>
+              </a:cxn>
+              <a:cxn ang="0">
+                <a:pos x="connsiteX1" y="connsiteY1"/>
+              </a:cxn>
+              <a:cxn ang="0">
+                <a:pos x="connsiteX2" y="connsiteY2"/>
+              </a:cxn>
+              <a:cxn ang="0">
+                <a:pos x="connsiteX3" y="connsiteY3"/>
+              </a:cxn>
+              <a:cxn ang="0">
+                <a:pos x="connsiteX4" y="connsiteY4"/>
+              </a:cxn>
+              <a:cxn ang="0">
+                <a:pos x="connsiteX5" y="connsiteY5"/>
+              </a:cxn>
+              <a:cxn ang="0">
+                <a:pos x="connsiteX6" y="connsiteY6"/>
+              </a:cxn>
+              <a:cxn ang="0">
+                <a:pos x="connsiteX7" y="connsiteY7"/>
+              </a:cxn>
+              <a:cxn ang="0">
+                <a:pos x="connsiteX8" y="connsiteY8"/>
+              </a:cxn>
+              <a:cxn ang="0">
+                <a:pos x="connsiteX9" y="connsiteY9"/>
+              </a:cxn>
+              <a:cxn ang="0">
+                <a:pos x="connsiteX10" y="connsiteY10"/>
+              </a:cxn>
+              <a:cxn ang="0">
+                <a:pos x="connsiteX11" y="connsiteY11"/>
+              </a:cxn>
+              <a:cxn ang="0">
+                <a:pos x="connsiteX12" y="connsiteY12"/>
+              </a:cxn>
+              <a:cxn ang="0">
+                <a:pos x="connsiteX13" y="connsiteY13"/>
+              </a:cxn>
+              <a:cxn ang="0">
+                <a:pos x="connsiteX14" y="connsiteY14"/>
+              </a:cxn>
+              <a:cxn ang="0">
+                <a:pos x="connsiteX15" y="connsiteY15"/>
+              </a:cxn>
+              <a:cxn ang="0">
+                <a:pos x="connsiteX16" y="connsiteY16"/>
+              </a:cxn>
+            </a:cxnLst>
+            <a:rect l="l" t="t" r="r" b="b"/>
+            <a:pathLst>
+              <a:path w="2543175" h="2443162">
+                <a:moveTo>
+                  <a:pt x="0" y="228600"/>
+                </a:moveTo>
+                <a:lnTo>
+                  <a:pt x="614363" y="2428875"/>
+                </a:lnTo>
+                <a:lnTo>
+                  <a:pt x="857250" y="2371725"/>
+                </a:lnTo>
+                <a:lnTo>
+                  <a:pt x="1171575" y="2328862"/>
+                </a:lnTo>
+                <a:lnTo>
+                  <a:pt x="1428750" y="2328862"/>
+                </a:lnTo>
+                <a:lnTo>
+                  <a:pt x="1657350" y="2371725"/>
+                </a:lnTo>
+                <a:lnTo>
+                  <a:pt x="1871663" y="2443162"/>
+                </a:lnTo>
+                <a:lnTo>
+                  <a:pt x="2543175" y="271462"/>
+                </a:lnTo>
+                <a:lnTo>
+                  <a:pt x="2200275" y="157162"/>
+                </a:lnTo>
+                <a:lnTo>
+                  <a:pt x="1957388" y="71437"/>
+                </a:lnTo>
+                <a:lnTo>
+                  <a:pt x="1685925" y="28575"/>
+                </a:lnTo>
+                <a:lnTo>
+                  <a:pt x="1443038" y="14287"/>
+                </a:lnTo>
+                <a:lnTo>
+                  <a:pt x="1114425" y="0"/>
+                </a:lnTo>
+                <a:lnTo>
+                  <a:pt x="771525" y="42862"/>
+                </a:lnTo>
+                <a:lnTo>
+                  <a:pt x="442913" y="100012"/>
+                </a:lnTo>
+                <a:lnTo>
+                  <a:pt x="185738" y="185737"/>
+                </a:lnTo>
+                <a:lnTo>
+                  <a:pt x="0" y="228600"/>
+                </a:lnTo>
+                <a:close/>
+              </a:path>
+            </a:pathLst>
+          </a:custGeom>
+          <a:pattFill prst="wdDnDiag">
+            <a:fgClr>
+              <a:schemeClr val="tx1"/>
+            </a:fgClr>
+            <a:bgClr>
+              <a:schemeClr val="bg1"/>
+            </a:bgClr>
+          </a:pattFill>
+          <a:ln>
+            <a:noFill/>
+          </a:ln>
+        </p:spPr>
+        <p:style>
+          <a:lnRef idx="2">
+            <a:schemeClr val="accent1">
+              <a:shade val="50000"/>
+            </a:schemeClr>
+          </a:lnRef>
+          <a:fillRef idx="1">
+            <a:schemeClr val="accent1"/>
+          </a:fillRef>
+          <a:effectRef idx="0">
+            <a:schemeClr val="accent1"/>
+          </a:effectRef>
+          <a:fontRef idx="minor">
+            <a:schemeClr val="lt1"/>
+          </a:fontRef>
+        </p:style>
+        <p:txBody>
+          <a:bodyPr rtlCol="0" anchor="ctr"/>
+          <a:lstStyle/>
+          <a:p>
+            <a:pPr algn="ctr"/>
+            <a:endParaRPr lang="en-US"/>
+          </a:p>
+        </p:txBody>
+      </p:sp>
+      <p:sp>
+        <p:nvSpPr>
+          <p:cNvPr id="5" name="Freeform 4">
+            <a:extLst>
+              <a:ext uri="{FF2B5EF4-FFF2-40B4-BE49-F238E27FC236}">
+                <a16:creationId xmlns:a16="http://schemas.microsoft.com/office/drawing/2014/main" id="{09B3DABF-DE4C-624F-B164-B763A8E2BA83}"/>
+              </a:ext>
+            </a:extLst>
+          </p:cNvPr>
+          <p:cNvSpPr/>
+          <p:nvPr/>
+        </p:nvSpPr>
+        <p:spPr>
+          <a:xfrm>
+            <a:off x="4141694" y="5647765"/>
+            <a:ext cx="494852" cy="882127"/>
+          </a:xfrm>
+          <a:custGeom>
+            <a:avLst/>
+            <a:gdLst>
+              <a:gd name="connsiteX0" fmla="*/ 0 w 494852"/>
+              <a:gd name="connsiteY0" fmla="*/ 10757 h 882127"/>
+              <a:gd name="connsiteX1" fmla="*/ 225911 w 494852"/>
+              <a:gd name="connsiteY1" fmla="*/ 882127 h 882127"/>
+              <a:gd name="connsiteX2" fmla="*/ 494852 w 494852"/>
+              <a:gd name="connsiteY2" fmla="*/ 32273 h 882127"/>
+              <a:gd name="connsiteX3" fmla="*/ 333487 w 494852"/>
+              <a:gd name="connsiteY3" fmla="*/ 10757 h 882127"/>
+              <a:gd name="connsiteX4" fmla="*/ 172122 w 494852"/>
+              <a:gd name="connsiteY4" fmla="*/ 0 h 882127"/>
+              <a:gd name="connsiteX5" fmla="*/ 64546 w 494852"/>
+              <a:gd name="connsiteY5" fmla="*/ 0 h 882127"/>
+              <a:gd name="connsiteX6" fmla="*/ 0 w 494852"/>
+              <a:gd name="connsiteY6" fmla="*/ 10757 h 882127"/>
+            </a:gdLst>
+            <a:ahLst/>
+            <a:cxnLst>
+              <a:cxn ang="0">
+                <a:pos x="connsiteX0" y="connsiteY0"/>
+              </a:cxn>
+              <a:cxn ang="0">
+                <a:pos x="connsiteX1" y="connsiteY1"/>
+              </a:cxn>
+              <a:cxn ang="0">
+                <a:pos x="connsiteX2" y="connsiteY2"/>
+              </a:cxn>
+              <a:cxn ang="0">
+                <a:pos x="connsiteX3" y="connsiteY3"/>
+              </a:cxn>
+              <a:cxn ang="0">
+                <a:pos x="connsiteX4" y="connsiteY4"/>
+              </a:cxn>
+              <a:cxn ang="0">
+                <a:pos x="connsiteX5" y="connsiteY5"/>
+              </a:cxn>
+              <a:cxn ang="0">
+                <a:pos x="connsiteX6" y="connsiteY6"/>
+              </a:cxn>
+            </a:cxnLst>
+            <a:rect l="l" t="t" r="r" b="b"/>
+            <a:pathLst>
+              <a:path w="494852" h="882127">
+                <a:moveTo>
+                  <a:pt x="0" y="10757"/>
+                </a:moveTo>
+                <a:lnTo>
+                  <a:pt x="225911" y="882127"/>
+                </a:lnTo>
+                <a:lnTo>
+                  <a:pt x="494852" y="32273"/>
+                </a:lnTo>
+                <a:lnTo>
+                  <a:pt x="333487" y="10757"/>
+                </a:lnTo>
+                <a:lnTo>
+                  <a:pt x="172122" y="0"/>
+                </a:lnTo>
+                <a:lnTo>
+                  <a:pt x="64546" y="0"/>
+                </a:lnTo>
+                <a:lnTo>
+                  <a:pt x="0" y="10757"/>
+                </a:lnTo>
+                <a:close/>
+              </a:path>
+            </a:pathLst>
+          </a:custGeom>
+          <a:solidFill>
+            <a:schemeClr val="tx1"/>
+          </a:solidFill>
+          <a:ln w="19050">
+            <a:solidFill>
+              <a:schemeClr val="tx1"/>
+            </a:solidFill>
+          </a:ln>
+        </p:spPr>
+        <p:style>
+          <a:lnRef idx="2">
+            <a:schemeClr val="accent1">
+              <a:shade val="50000"/>
+            </a:schemeClr>
+          </a:lnRef>
+          <a:fillRef idx="1">
+            <a:schemeClr val="accent1"/>
+          </a:fillRef>
+          <a:effectRef idx="0">
+            <a:schemeClr val="accent1"/>
+          </a:effectRef>
+          <a:fontRef idx="minor">
+            <a:schemeClr val="lt1"/>
+          </a:fontRef>
+        </p:style>
+        <p:txBody>
+          <a:bodyPr rtlCol="0" anchor="ctr"/>
+          <a:lstStyle/>
+          <a:p>
+            <a:pPr algn="ctr"/>
+            <a:endParaRPr lang="en-US"/>
+          </a:p>
+        </p:txBody>
+      </p:sp>
+      <p:sp>
+        <p:nvSpPr>
+          <p:cNvPr id="6" name="Freeform 5">
+            <a:extLst>
+              <a:ext uri="{FF2B5EF4-FFF2-40B4-BE49-F238E27FC236}">
+                <a16:creationId xmlns:a16="http://schemas.microsoft.com/office/drawing/2014/main" id="{97025EB0-CE4D-7E4C-AC65-38C469D45A69}"/>
+              </a:ext>
+            </a:extLst>
+          </p:cNvPr>
+          <p:cNvSpPr/>
+          <p:nvPr/>
+        </p:nvSpPr>
+        <p:spPr>
+          <a:xfrm>
+            <a:off x="3808207" y="4378362"/>
+            <a:ext cx="1204857" cy="1312433"/>
+          </a:xfrm>
+          <a:custGeom>
+            <a:avLst/>
+            <a:gdLst>
+              <a:gd name="connsiteX0" fmla="*/ 0 w 1204857"/>
+              <a:gd name="connsiteY0" fmla="*/ 96819 h 1312433"/>
+              <a:gd name="connsiteX1" fmla="*/ 311972 w 1204857"/>
+              <a:gd name="connsiteY1" fmla="*/ 1280160 h 1312433"/>
+              <a:gd name="connsiteX2" fmla="*/ 451821 w 1204857"/>
+              <a:gd name="connsiteY2" fmla="*/ 1258645 h 1312433"/>
+              <a:gd name="connsiteX3" fmla="*/ 623944 w 1204857"/>
+              <a:gd name="connsiteY3" fmla="*/ 1269403 h 1312433"/>
+              <a:gd name="connsiteX4" fmla="*/ 774551 w 1204857"/>
+              <a:gd name="connsiteY4" fmla="*/ 1280160 h 1312433"/>
+              <a:gd name="connsiteX5" fmla="*/ 774551 w 1204857"/>
+              <a:gd name="connsiteY5" fmla="*/ 1280160 h 1312433"/>
+              <a:gd name="connsiteX6" fmla="*/ 774551 w 1204857"/>
+              <a:gd name="connsiteY6" fmla="*/ 1280160 h 1312433"/>
+              <a:gd name="connsiteX7" fmla="*/ 860612 w 1204857"/>
+              <a:gd name="connsiteY7" fmla="*/ 1312433 h 1312433"/>
+              <a:gd name="connsiteX8" fmla="*/ 1204857 w 1204857"/>
+              <a:gd name="connsiteY8" fmla="*/ 107577 h 1312433"/>
+              <a:gd name="connsiteX9" fmla="*/ 1032734 w 1204857"/>
+              <a:gd name="connsiteY9" fmla="*/ 43031 h 1312433"/>
+              <a:gd name="connsiteX10" fmla="*/ 796066 w 1204857"/>
+              <a:gd name="connsiteY10" fmla="*/ 0 h 1312433"/>
+              <a:gd name="connsiteX11" fmla="*/ 591671 w 1204857"/>
+              <a:gd name="connsiteY11" fmla="*/ 0 h 1312433"/>
+              <a:gd name="connsiteX12" fmla="*/ 398033 w 1204857"/>
+              <a:gd name="connsiteY12" fmla="*/ 0 h 1312433"/>
+              <a:gd name="connsiteX13" fmla="*/ 161365 w 1204857"/>
+              <a:gd name="connsiteY13" fmla="*/ 53789 h 1312433"/>
+              <a:gd name="connsiteX14" fmla="*/ 0 w 1204857"/>
+              <a:gd name="connsiteY14" fmla="*/ 96819 h 1312433"/>
+            </a:gdLst>
+            <a:ahLst/>
+            <a:cxnLst>
+              <a:cxn ang="0">
+                <a:pos x="connsiteX0" y="connsiteY0"/>
+              </a:cxn>
+              <a:cxn ang="0">
+                <a:pos x="connsiteX1" y="connsiteY1"/>
+              </a:cxn>
+              <a:cxn ang="0">
+                <a:pos x="connsiteX2" y="connsiteY2"/>
+              </a:cxn>
+              <a:cxn ang="0">
+                <a:pos x="connsiteX3" y="connsiteY3"/>
+              </a:cxn>
+              <a:cxn ang="0">
+                <a:pos x="connsiteX4" y="connsiteY4"/>
+              </a:cxn>
+              <a:cxn ang="0">
+                <a:pos x="connsiteX5" y="connsiteY5"/>
+              </a:cxn>
+              <a:cxn ang="0">
+                <a:pos x="connsiteX6" y="connsiteY6"/>
+              </a:cxn>
+              <a:cxn ang="0">
+                <a:pos x="connsiteX7" y="connsiteY7"/>
+              </a:cxn>
+              <a:cxn ang="0">
+                <a:pos x="connsiteX8" y="connsiteY8"/>
+              </a:cxn>
+              <a:cxn ang="0">
+                <a:pos x="connsiteX9" y="connsiteY9"/>
+              </a:cxn>
+              <a:cxn ang="0">
+                <a:pos x="connsiteX10" y="connsiteY10"/>
+              </a:cxn>
+              <a:cxn ang="0">
+                <a:pos x="connsiteX11" y="connsiteY11"/>
+              </a:cxn>
+              <a:cxn ang="0">
+                <a:pos x="connsiteX12" y="connsiteY12"/>
+              </a:cxn>
+              <a:cxn ang="0">
+                <a:pos x="connsiteX13" y="connsiteY13"/>
+              </a:cxn>
+              <a:cxn ang="0">
+                <a:pos x="connsiteX14" y="connsiteY14"/>
+              </a:cxn>
+            </a:cxnLst>
+            <a:rect l="l" t="t" r="r" b="b"/>
+            <a:pathLst>
+              <a:path w="1204857" h="1312433">
+                <a:moveTo>
+                  <a:pt x="0" y="96819"/>
+                </a:moveTo>
+                <a:lnTo>
+                  <a:pt x="311972" y="1280160"/>
+                </a:lnTo>
+                <a:lnTo>
+                  <a:pt x="451821" y="1258645"/>
+                </a:lnTo>
+                <a:lnTo>
+                  <a:pt x="623944" y="1269403"/>
+                </a:lnTo>
+                <a:lnTo>
+                  <a:pt x="774551" y="1280160"/>
+                </a:lnTo>
+                <a:lnTo>
+                  <a:pt x="774551" y="1280160"/>
+                </a:lnTo>
+                <a:lnTo>
+                  <a:pt x="774551" y="1280160"/>
+                </a:lnTo>
+                <a:lnTo>
+                  <a:pt x="860612" y="1312433"/>
+                </a:lnTo>
+                <a:lnTo>
+                  <a:pt x="1204857" y="107577"/>
+                </a:lnTo>
+                <a:lnTo>
+                  <a:pt x="1032734" y="43031"/>
+                </a:lnTo>
+                <a:lnTo>
+                  <a:pt x="796066" y="0"/>
+                </a:lnTo>
+                <a:lnTo>
+                  <a:pt x="591671" y="0"/>
+                </a:lnTo>
+                <a:lnTo>
+                  <a:pt x="398033" y="0"/>
+                </a:lnTo>
+                <a:lnTo>
+                  <a:pt x="161365" y="53789"/>
+                </a:lnTo>
+                <a:lnTo>
+                  <a:pt x="0" y="96819"/>
+                </a:lnTo>
+                <a:close/>
+              </a:path>
+            </a:pathLst>
+          </a:custGeom>
+          <a:pattFill prst="solidDmnd">
+            <a:fgClr>
+              <a:schemeClr val="tx1"/>
+            </a:fgClr>
+            <a:bgClr>
+              <a:schemeClr val="bg1"/>
+            </a:bgClr>
+          </a:pattFill>
+          <a:ln>
+            <a:noFill/>
+          </a:ln>
+        </p:spPr>
+        <p:style>
+          <a:lnRef idx="2">
+            <a:schemeClr val="accent1">
+              <a:shade val="50000"/>
+            </a:schemeClr>
+          </a:lnRef>
+          <a:fillRef idx="1">
+            <a:schemeClr val="accent1"/>
+          </a:fillRef>
+          <a:effectRef idx="0">
+            <a:schemeClr val="accent1"/>
+          </a:effectRef>
+          <a:fontRef idx="minor">
+            <a:schemeClr val="lt1"/>
+          </a:fontRef>
+        </p:style>
+        <p:txBody>
+          <a:bodyPr rtlCol="0" anchor="ctr"/>
+          <a:lstStyle/>
+          <a:p>
+            <a:pPr algn="ctr"/>
+            <a:endParaRPr lang="en-US"/>
+          </a:p>
+        </p:txBody>
+      </p:sp>
+      <p:sp>
+        <p:nvSpPr>
+          <p:cNvPr id="7" name="Freeform 6">
+            <a:extLst>
+              <a:ext uri="{FF2B5EF4-FFF2-40B4-BE49-F238E27FC236}">
+                <a16:creationId xmlns:a16="http://schemas.microsoft.com/office/drawing/2014/main" id="{F0D75898-F32C-DC4F-B8CF-E153E29B55D5}"/>
+              </a:ext>
+            </a:extLst>
+          </p:cNvPr>
+          <p:cNvSpPr/>
+          <p:nvPr/>
+        </p:nvSpPr>
+        <p:spPr>
+          <a:xfrm>
+            <a:off x="2904565" y="1011219"/>
+            <a:ext cx="3119717" cy="1280160"/>
+          </a:xfrm>
+          <a:custGeom>
+            <a:avLst/>
+            <a:gdLst>
+              <a:gd name="connsiteX0" fmla="*/ 0 w 3119717"/>
+              <a:gd name="connsiteY0" fmla="*/ 258183 h 1280160"/>
+              <a:gd name="connsiteX1" fmla="*/ 258183 w 3119717"/>
+              <a:gd name="connsiteY1" fmla="*/ 1269402 h 1280160"/>
+              <a:gd name="connsiteX2" fmla="*/ 484094 w 3119717"/>
+              <a:gd name="connsiteY2" fmla="*/ 1172583 h 1280160"/>
+              <a:gd name="connsiteX3" fmla="*/ 817581 w 3119717"/>
+              <a:gd name="connsiteY3" fmla="*/ 1097280 h 1280160"/>
+              <a:gd name="connsiteX4" fmla="*/ 1172583 w 3119717"/>
+              <a:gd name="connsiteY4" fmla="*/ 1043492 h 1280160"/>
+              <a:gd name="connsiteX5" fmla="*/ 1549101 w 3119717"/>
+              <a:gd name="connsiteY5" fmla="*/ 1043492 h 1280160"/>
+              <a:gd name="connsiteX6" fmla="*/ 1893346 w 3119717"/>
+              <a:gd name="connsiteY6" fmla="*/ 1054249 h 1280160"/>
+              <a:gd name="connsiteX7" fmla="*/ 2183802 w 3119717"/>
+              <a:gd name="connsiteY7" fmla="*/ 1108037 h 1280160"/>
+              <a:gd name="connsiteX8" fmla="*/ 2420470 w 3119717"/>
+              <a:gd name="connsiteY8" fmla="*/ 1151068 h 1280160"/>
+              <a:gd name="connsiteX9" fmla="*/ 2646381 w 3119717"/>
+              <a:gd name="connsiteY9" fmla="*/ 1226372 h 1280160"/>
+              <a:gd name="connsiteX10" fmla="*/ 2829261 w 3119717"/>
+              <a:gd name="connsiteY10" fmla="*/ 1280160 h 1280160"/>
+              <a:gd name="connsiteX11" fmla="*/ 3119717 w 3119717"/>
+              <a:gd name="connsiteY11" fmla="*/ 290456 h 1280160"/>
+              <a:gd name="connsiteX12" fmla="*/ 2775473 w 3119717"/>
+              <a:gd name="connsiteY12" fmla="*/ 182880 h 1280160"/>
+              <a:gd name="connsiteX13" fmla="*/ 2323651 w 3119717"/>
+              <a:gd name="connsiteY13" fmla="*/ 75303 h 1280160"/>
+              <a:gd name="connsiteX14" fmla="*/ 1861073 w 3119717"/>
+              <a:gd name="connsiteY14" fmla="*/ 21515 h 1280160"/>
+              <a:gd name="connsiteX15" fmla="*/ 1495313 w 3119717"/>
+              <a:gd name="connsiteY15" fmla="*/ 0 h 1280160"/>
+              <a:gd name="connsiteX16" fmla="*/ 1043491 w 3119717"/>
+              <a:gd name="connsiteY16" fmla="*/ 21515 h 1280160"/>
+              <a:gd name="connsiteX17" fmla="*/ 602428 w 3119717"/>
+              <a:gd name="connsiteY17" fmla="*/ 86061 h 1280160"/>
+              <a:gd name="connsiteX18" fmla="*/ 215153 w 3119717"/>
+              <a:gd name="connsiteY18" fmla="*/ 182880 h 1280160"/>
+              <a:gd name="connsiteX19" fmla="*/ 0 w 3119717"/>
+              <a:gd name="connsiteY19" fmla="*/ 258183 h 1280160"/>
+            </a:gdLst>
+            <a:ahLst/>
+            <a:cxnLst>
+              <a:cxn ang="0">
+                <a:pos x="connsiteX0" y="connsiteY0"/>
+              </a:cxn>
+              <a:cxn ang="0">
+                <a:pos x="connsiteX1" y="connsiteY1"/>
+              </a:cxn>
+              <a:cxn ang="0">
+                <a:pos x="connsiteX2" y="connsiteY2"/>
+              </a:cxn>
+              <a:cxn ang="0">
+                <a:pos x="connsiteX3" y="connsiteY3"/>
+              </a:cxn>
+              <a:cxn ang="0">
+                <a:pos x="connsiteX4" y="connsiteY4"/>
+              </a:cxn>
+              <a:cxn ang="0">
+                <a:pos x="connsiteX5" y="connsiteY5"/>
+              </a:cxn>
+              <a:cxn ang="0">
+                <a:pos x="connsiteX6" y="connsiteY6"/>
+              </a:cxn>
+              <a:cxn ang="0">
+                <a:pos x="connsiteX7" y="connsiteY7"/>
+              </a:cxn>
+              <a:cxn ang="0">
+                <a:pos x="connsiteX8" y="connsiteY8"/>
+              </a:cxn>
+              <a:cxn ang="0">
+                <a:pos x="connsiteX9" y="connsiteY9"/>
+              </a:cxn>
+              <a:cxn ang="0">
+                <a:pos x="connsiteX10" y="connsiteY10"/>
+              </a:cxn>
+              <a:cxn ang="0">
+                <a:pos x="connsiteX11" y="connsiteY11"/>
+              </a:cxn>
+              <a:cxn ang="0">
+                <a:pos x="connsiteX12" y="connsiteY12"/>
+              </a:cxn>
+              <a:cxn ang="0">
+                <a:pos x="connsiteX13" y="connsiteY13"/>
+              </a:cxn>
+              <a:cxn ang="0">
+                <a:pos x="connsiteX14" y="connsiteY14"/>
+              </a:cxn>
+              <a:cxn ang="0">
+                <a:pos x="connsiteX15" y="connsiteY15"/>
+              </a:cxn>
+              <a:cxn ang="0">
+                <a:pos x="connsiteX16" y="connsiteY16"/>
+              </a:cxn>
+              <a:cxn ang="0">
+                <a:pos x="connsiteX17" y="connsiteY17"/>
+              </a:cxn>
+              <a:cxn ang="0">
+                <a:pos x="connsiteX18" y="connsiteY18"/>
+              </a:cxn>
+              <a:cxn ang="0">
+                <a:pos x="connsiteX19" y="connsiteY19"/>
+              </a:cxn>
+            </a:cxnLst>
+            <a:rect l="l" t="t" r="r" b="b"/>
+            <a:pathLst>
+              <a:path w="3119717" h="1280160">
+                <a:moveTo>
+                  <a:pt x="0" y="258183"/>
+                </a:moveTo>
+                <a:lnTo>
+                  <a:pt x="258183" y="1269402"/>
+                </a:lnTo>
+                <a:lnTo>
+                  <a:pt x="484094" y="1172583"/>
+                </a:lnTo>
+                <a:lnTo>
+                  <a:pt x="817581" y="1097280"/>
+                </a:lnTo>
+                <a:lnTo>
+                  <a:pt x="1172583" y="1043492"/>
+                </a:lnTo>
+                <a:lnTo>
+                  <a:pt x="1549101" y="1043492"/>
+                </a:lnTo>
+                <a:lnTo>
+                  <a:pt x="1893346" y="1054249"/>
+                </a:lnTo>
+                <a:lnTo>
+                  <a:pt x="2183802" y="1108037"/>
+                </a:lnTo>
+                <a:lnTo>
+                  <a:pt x="2420470" y="1151068"/>
+                </a:lnTo>
+                <a:lnTo>
+                  <a:pt x="2646381" y="1226372"/>
+                </a:lnTo>
+                <a:lnTo>
+                  <a:pt x="2829261" y="1280160"/>
+                </a:lnTo>
+                <a:lnTo>
+                  <a:pt x="3119717" y="290456"/>
+                </a:lnTo>
+                <a:lnTo>
+                  <a:pt x="2775473" y="182880"/>
+                </a:lnTo>
+                <a:lnTo>
+                  <a:pt x="2323651" y="75303"/>
+                </a:lnTo>
+                <a:lnTo>
+                  <a:pt x="1861073" y="21515"/>
+                </a:lnTo>
+                <a:lnTo>
+                  <a:pt x="1495313" y="0"/>
+                </a:lnTo>
+                <a:lnTo>
+                  <a:pt x="1043491" y="21515"/>
+                </a:lnTo>
+                <a:lnTo>
+                  <a:pt x="602428" y="86061"/>
+                </a:lnTo>
+                <a:lnTo>
+                  <a:pt x="215153" y="182880"/>
+                </a:lnTo>
+                <a:lnTo>
+                  <a:pt x="0" y="258183"/>
+                </a:lnTo>
+                <a:close/>
+              </a:path>
+            </a:pathLst>
+          </a:custGeom>
+          <a:pattFill prst="pct5">
+            <a:fgClr>
+              <a:schemeClr val="tx1"/>
+            </a:fgClr>
+            <a:bgClr>
+              <a:schemeClr val="bg1"/>
+            </a:bgClr>
+          </a:pattFill>
+          <a:ln>
+            <a:noFill/>
+          </a:ln>
+        </p:spPr>
+        <p:style>
+          <a:lnRef idx="2">
+            <a:schemeClr val="accent1">
+              <a:shade val="50000"/>
+            </a:schemeClr>
+          </a:lnRef>
+          <a:fillRef idx="1">
+            <a:schemeClr val="accent1"/>
+          </a:fillRef>
+          <a:effectRef idx="0">
+            <a:schemeClr val="accent1"/>
+          </a:effectRef>
+          <a:fontRef idx="minor">
+            <a:schemeClr val="lt1"/>
+          </a:fontRef>
+        </p:style>
+        <p:txBody>
+          <a:bodyPr rtlCol="0" anchor="ctr"/>
+          <a:lstStyle/>
+          <a:p>
+            <a:pPr algn="ctr"/>
+            <a:endParaRPr lang="en-US"/>
+          </a:p>
+        </p:txBody>
+      </p:sp>
       <p:cxnSp>
         <p:nvCxnSpPr>
           <p:cNvPr id="9" name="Straight Connector 8">
@@ -3679,7 +4420,7 @@
         </p:nvSpPr>
         <p:spPr>
           <a:xfrm>
-            <a:off x="3825143" y="2817392"/>
+            <a:off x="5411056" y="3217442"/>
             <a:ext cx="1199367" cy="307777"/>
           </a:xfrm>
           <a:prstGeom prst="rect">
@@ -4263,6 +5004,255 @@
           </a:p>
         </p:txBody>
       </p:sp>
+      <p:sp>
+        <p:nvSpPr>
+          <p:cNvPr id="11" name="Freeform 10">
+            <a:extLst>
+              <a:ext uri="{FF2B5EF4-FFF2-40B4-BE49-F238E27FC236}">
+                <a16:creationId xmlns:a16="http://schemas.microsoft.com/office/drawing/2014/main" id="{FC007766-EE33-B74C-8E03-C72300A8B9F4}"/>
+              </a:ext>
+            </a:extLst>
+          </p:cNvPr>
+          <p:cNvSpPr/>
+          <p:nvPr/>
+        </p:nvSpPr>
+        <p:spPr>
+          <a:xfrm>
+            <a:off x="2871788" y="946505"/>
+            <a:ext cx="3200400" cy="371475"/>
+          </a:xfrm>
+          <a:custGeom>
+            <a:avLst/>
+            <a:gdLst>
+              <a:gd name="connsiteX0" fmla="*/ 0 w 3200400"/>
+              <a:gd name="connsiteY0" fmla="*/ 242887 h 371475"/>
+              <a:gd name="connsiteX1" fmla="*/ 228600 w 3200400"/>
+              <a:gd name="connsiteY1" fmla="*/ 200025 h 371475"/>
+              <a:gd name="connsiteX2" fmla="*/ 557212 w 3200400"/>
+              <a:gd name="connsiteY2" fmla="*/ 114300 h 371475"/>
+              <a:gd name="connsiteX3" fmla="*/ 957262 w 3200400"/>
+              <a:gd name="connsiteY3" fmla="*/ 42862 h 371475"/>
+              <a:gd name="connsiteX4" fmla="*/ 1257300 w 3200400"/>
+              <a:gd name="connsiteY4" fmla="*/ 14287 h 371475"/>
+              <a:gd name="connsiteX5" fmla="*/ 1485900 w 3200400"/>
+              <a:gd name="connsiteY5" fmla="*/ 0 h 371475"/>
+              <a:gd name="connsiteX6" fmla="*/ 1900237 w 3200400"/>
+              <a:gd name="connsiteY6" fmla="*/ 28575 h 371475"/>
+              <a:gd name="connsiteX7" fmla="*/ 2243137 w 3200400"/>
+              <a:gd name="connsiteY7" fmla="*/ 57150 h 371475"/>
+              <a:gd name="connsiteX8" fmla="*/ 2586037 w 3200400"/>
+              <a:gd name="connsiteY8" fmla="*/ 114300 h 371475"/>
+              <a:gd name="connsiteX9" fmla="*/ 2871787 w 3200400"/>
+              <a:gd name="connsiteY9" fmla="*/ 200025 h 371475"/>
+              <a:gd name="connsiteX10" fmla="*/ 3128962 w 3200400"/>
+              <a:gd name="connsiteY10" fmla="*/ 285750 h 371475"/>
+              <a:gd name="connsiteX11" fmla="*/ 3200400 w 3200400"/>
+              <a:gd name="connsiteY11" fmla="*/ 314325 h 371475"/>
+              <a:gd name="connsiteX12" fmla="*/ 3171825 w 3200400"/>
+              <a:gd name="connsiteY12" fmla="*/ 371475 h 371475"/>
+              <a:gd name="connsiteX13" fmla="*/ 2943225 w 3200400"/>
+              <a:gd name="connsiteY13" fmla="*/ 271462 h 371475"/>
+              <a:gd name="connsiteX14" fmla="*/ 2571750 w 3200400"/>
+              <a:gd name="connsiteY14" fmla="*/ 171450 h 371475"/>
+              <a:gd name="connsiteX15" fmla="*/ 2200275 w 3200400"/>
+              <a:gd name="connsiteY15" fmla="*/ 114300 h 371475"/>
+              <a:gd name="connsiteX16" fmla="*/ 1785937 w 3200400"/>
+              <a:gd name="connsiteY16" fmla="*/ 57150 h 371475"/>
+              <a:gd name="connsiteX17" fmla="*/ 1328737 w 3200400"/>
+              <a:gd name="connsiteY17" fmla="*/ 71437 h 371475"/>
+              <a:gd name="connsiteX18" fmla="*/ 928687 w 3200400"/>
+              <a:gd name="connsiteY18" fmla="*/ 100012 h 371475"/>
+              <a:gd name="connsiteX19" fmla="*/ 571500 w 3200400"/>
+              <a:gd name="connsiteY19" fmla="*/ 157162 h 371475"/>
+              <a:gd name="connsiteX20" fmla="*/ 271462 w 3200400"/>
+              <a:gd name="connsiteY20" fmla="*/ 257175 h 371475"/>
+              <a:gd name="connsiteX21" fmla="*/ 42862 w 3200400"/>
+              <a:gd name="connsiteY21" fmla="*/ 328612 h 371475"/>
+              <a:gd name="connsiteX22" fmla="*/ 0 w 3200400"/>
+              <a:gd name="connsiteY22" fmla="*/ 242887 h 371475"/>
+            </a:gdLst>
+            <a:ahLst/>
+            <a:cxnLst>
+              <a:cxn ang="0">
+                <a:pos x="connsiteX0" y="connsiteY0"/>
+              </a:cxn>
+              <a:cxn ang="0">
+                <a:pos x="connsiteX1" y="connsiteY1"/>
+              </a:cxn>
+              <a:cxn ang="0">
+                <a:pos x="connsiteX2" y="connsiteY2"/>
+              </a:cxn>
+              <a:cxn ang="0">
+                <a:pos x="connsiteX3" y="connsiteY3"/>
+              </a:cxn>
+              <a:cxn ang="0">
+                <a:pos x="connsiteX4" y="connsiteY4"/>
+              </a:cxn>
+              <a:cxn ang="0">
+                <a:pos x="connsiteX5" y="connsiteY5"/>
+              </a:cxn>
+              <a:cxn ang="0">
+                <a:pos x="connsiteX6" y="connsiteY6"/>
+              </a:cxn>
+              <a:cxn ang="0">
+                <a:pos x="connsiteX7" y="connsiteY7"/>
+              </a:cxn>
+              <a:cxn ang="0">
+                <a:pos x="connsiteX8" y="connsiteY8"/>
+              </a:cxn>
+              <a:cxn ang="0">
+                <a:pos x="connsiteX9" y="connsiteY9"/>
+              </a:cxn>
+              <a:cxn ang="0">
+                <a:pos x="connsiteX10" y="connsiteY10"/>
+              </a:cxn>
+              <a:cxn ang="0">
+                <a:pos x="connsiteX11" y="connsiteY11"/>
+              </a:cxn>
+              <a:cxn ang="0">
+                <a:pos x="connsiteX12" y="connsiteY12"/>
+              </a:cxn>
+              <a:cxn ang="0">
+                <a:pos x="connsiteX13" y="connsiteY13"/>
+              </a:cxn>
+              <a:cxn ang="0">
+                <a:pos x="connsiteX14" y="connsiteY14"/>
+              </a:cxn>
+              <a:cxn ang="0">
+                <a:pos x="connsiteX15" y="connsiteY15"/>
+              </a:cxn>
+              <a:cxn ang="0">
+                <a:pos x="connsiteX16" y="connsiteY16"/>
+              </a:cxn>
+              <a:cxn ang="0">
+                <a:pos x="connsiteX17" y="connsiteY17"/>
+              </a:cxn>
+              <a:cxn ang="0">
+                <a:pos x="connsiteX18" y="connsiteY18"/>
+              </a:cxn>
+              <a:cxn ang="0">
+                <a:pos x="connsiteX19" y="connsiteY19"/>
+              </a:cxn>
+              <a:cxn ang="0">
+                <a:pos x="connsiteX20" y="connsiteY20"/>
+              </a:cxn>
+              <a:cxn ang="0">
+                <a:pos x="connsiteX21" y="connsiteY21"/>
+              </a:cxn>
+              <a:cxn ang="0">
+                <a:pos x="connsiteX22" y="connsiteY22"/>
+              </a:cxn>
+            </a:cxnLst>
+            <a:rect l="l" t="t" r="r" b="b"/>
+            <a:pathLst>
+              <a:path w="3200400" h="371475">
+                <a:moveTo>
+                  <a:pt x="0" y="242887"/>
+                </a:moveTo>
+                <a:lnTo>
+                  <a:pt x="228600" y="200025"/>
+                </a:lnTo>
+                <a:lnTo>
+                  <a:pt x="557212" y="114300"/>
+                </a:lnTo>
+                <a:lnTo>
+                  <a:pt x="957262" y="42862"/>
+                </a:lnTo>
+                <a:lnTo>
+                  <a:pt x="1257300" y="14287"/>
+                </a:lnTo>
+                <a:lnTo>
+                  <a:pt x="1485900" y="0"/>
+                </a:lnTo>
+                <a:lnTo>
+                  <a:pt x="1900237" y="28575"/>
+                </a:lnTo>
+                <a:lnTo>
+                  <a:pt x="2243137" y="57150"/>
+                </a:lnTo>
+                <a:lnTo>
+                  <a:pt x="2586037" y="114300"/>
+                </a:lnTo>
+                <a:lnTo>
+                  <a:pt x="2871787" y="200025"/>
+                </a:lnTo>
+                <a:lnTo>
+                  <a:pt x="3128962" y="285750"/>
+                </a:lnTo>
+                <a:lnTo>
+                  <a:pt x="3200400" y="314325"/>
+                </a:lnTo>
+                <a:lnTo>
+                  <a:pt x="3171825" y="371475"/>
+                </a:lnTo>
+                <a:lnTo>
+                  <a:pt x="2943225" y="271462"/>
+                </a:lnTo>
+                <a:lnTo>
+                  <a:pt x="2571750" y="171450"/>
+                </a:lnTo>
+                <a:lnTo>
+                  <a:pt x="2200275" y="114300"/>
+                </a:lnTo>
+                <a:lnTo>
+                  <a:pt x="1785937" y="57150"/>
+                </a:lnTo>
+                <a:lnTo>
+                  <a:pt x="1328737" y="71437"/>
+                </a:lnTo>
+                <a:lnTo>
+                  <a:pt x="928687" y="100012"/>
+                </a:lnTo>
+                <a:lnTo>
+                  <a:pt x="571500" y="157162"/>
+                </a:lnTo>
+                <a:lnTo>
+                  <a:pt x="271462" y="257175"/>
+                </a:lnTo>
+                <a:lnTo>
+                  <a:pt x="42862" y="328612"/>
+                </a:lnTo>
+                <a:lnTo>
+                  <a:pt x="0" y="242887"/>
+                </a:lnTo>
+                <a:close/>
+              </a:path>
+            </a:pathLst>
+          </a:custGeom>
+          <a:solidFill>
+            <a:schemeClr val="tx1"/>
+          </a:solidFill>
+          <a:ln>
+            <a:solidFill>
+              <a:schemeClr val="tx1"/>
+            </a:solidFill>
+          </a:ln>
+        </p:spPr>
+        <p:style>
+          <a:lnRef idx="2">
+            <a:schemeClr val="accent1">
+              <a:shade val="50000"/>
+            </a:schemeClr>
+          </a:lnRef>
+          <a:fillRef idx="1">
+            <a:schemeClr val="accent1"/>
+          </a:fillRef>
+          <a:effectRef idx="0">
+            <a:schemeClr val="accent1"/>
+          </a:effectRef>
+          <a:fontRef idx="minor">
+            <a:schemeClr val="lt1"/>
+          </a:fontRef>
+        </p:style>
+        <p:txBody>
+          <a:bodyPr rtlCol="0" anchor="ctr"/>
+          <a:lstStyle/>
+          <a:p>
+            <a:pPr algn="ctr"/>
+            <a:endParaRPr lang="en-US"/>
+          </a:p>
+        </p:txBody>
+      </p:sp>
     </p:spTree>
     <p:extLst>
       <p:ext uri="{BB962C8B-B14F-4D97-AF65-F5344CB8AC3E}">
@@ -4405,406 +5395,6 @@
       </p:sp>
       <p:sp>
         <p:nvSpPr>
-          <p:cNvPr id="2" name="Arc 1">
-            <a:extLst>
-              <a:ext uri="{FF2B5EF4-FFF2-40B4-BE49-F238E27FC236}">
-                <a16:creationId xmlns:a16="http://schemas.microsoft.com/office/drawing/2014/main" id="{136B254B-8EEE-284E-A3CE-903622782DA0}"/>
-              </a:ext>
-            </a:extLst>
-          </p:cNvPr>
-          <p:cNvSpPr/>
-          <p:nvPr/>
-        </p:nvSpPr>
-        <p:spPr>
-          <a:xfrm>
-            <a:off x="1541722" y="950406"/>
-            <a:ext cx="5709684" cy="3423685"/>
-          </a:xfrm>
-          <a:prstGeom prst="arc">
-            <a:avLst>
-              <a:gd name="adj1" fmla="val 13413600"/>
-              <a:gd name="adj2" fmla="val 19175026"/>
-            </a:avLst>
-          </a:prstGeom>
-          <a:ln w="22225">
-            <a:solidFill>
-              <a:schemeClr val="tx1"/>
-            </a:solidFill>
-          </a:ln>
-        </p:spPr>
-        <p:style>
-          <a:lnRef idx="1">
-            <a:schemeClr val="accent1"/>
-          </a:lnRef>
-          <a:fillRef idx="0">
-            <a:schemeClr val="accent1"/>
-          </a:fillRef>
-          <a:effectRef idx="0">
-            <a:schemeClr val="accent1"/>
-          </a:effectRef>
-          <a:fontRef idx="minor">
-            <a:schemeClr val="tx1"/>
-          </a:fontRef>
-        </p:style>
-        <p:txBody>
-          <a:bodyPr rtlCol="0" anchor="ctr"/>
-          <a:lstStyle/>
-          <a:p>
-            <a:pPr algn="ctr"/>
-            <a:endParaRPr lang="en-US"/>
-          </a:p>
-        </p:txBody>
-      </p:sp>
-      <p:cxnSp>
-        <p:nvCxnSpPr>
-          <p:cNvPr id="4" name="Straight Connector 3">
-            <a:extLst>
-              <a:ext uri="{FF2B5EF4-FFF2-40B4-BE49-F238E27FC236}">
-                <a16:creationId xmlns:a16="http://schemas.microsoft.com/office/drawing/2014/main" id="{CF3A6183-4B57-8D4B-B882-790B13177568}"/>
-              </a:ext>
-            </a:extLst>
-          </p:cNvPr>
-          <p:cNvCxnSpPr>
-            <a:stCxn id="2" idx="0"/>
-          </p:cNvCxnSpPr>
-          <p:nvPr/>
-        </p:nvCxnSpPr>
-        <p:spPr>
-          <a:xfrm>
-            <a:off x="2873871" y="1214234"/>
-            <a:ext cx="1496110" cy="5339530"/>
-          </a:xfrm>
-          <a:prstGeom prst="line">
-            <a:avLst/>
-          </a:prstGeom>
-          <a:ln w="22225">
-            <a:solidFill>
-              <a:schemeClr val="tx1"/>
-            </a:solidFill>
-          </a:ln>
-        </p:spPr>
-        <p:style>
-          <a:lnRef idx="1">
-            <a:schemeClr val="accent1"/>
-          </a:lnRef>
-          <a:fillRef idx="0">
-            <a:schemeClr val="accent1"/>
-          </a:fillRef>
-          <a:effectRef idx="0">
-            <a:schemeClr val="accent1"/>
-          </a:effectRef>
-          <a:fontRef idx="minor">
-            <a:schemeClr val="tx1"/>
-          </a:fontRef>
-        </p:style>
-      </p:cxnSp>
-      <p:cxnSp>
-        <p:nvCxnSpPr>
-          <p:cNvPr id="50" name="Straight Connector 49">
-            <a:extLst>
-              <a:ext uri="{FF2B5EF4-FFF2-40B4-BE49-F238E27FC236}">
-                <a16:creationId xmlns:a16="http://schemas.microsoft.com/office/drawing/2014/main" id="{C7DF7200-0787-5447-83AA-02FE6B2EA5A6}"/>
-              </a:ext>
-            </a:extLst>
-          </p:cNvPr>
-          <p:cNvCxnSpPr>
-            <a:cxnSpLocks/>
-          </p:cNvCxnSpPr>
-          <p:nvPr/>
-        </p:nvCxnSpPr>
-        <p:spPr>
-          <a:xfrm flipH="1">
-            <a:off x="4369981" y="1258750"/>
-            <a:ext cx="1679945" cy="5295014"/>
-          </a:xfrm>
-          <a:prstGeom prst="line">
-            <a:avLst/>
-          </a:prstGeom>
-          <a:ln w="22225">
-            <a:solidFill>
-              <a:schemeClr val="tx1"/>
-            </a:solidFill>
-          </a:ln>
-        </p:spPr>
-        <p:style>
-          <a:lnRef idx="1">
-            <a:schemeClr val="accent1"/>
-          </a:lnRef>
-          <a:fillRef idx="0">
-            <a:schemeClr val="accent1"/>
-          </a:fillRef>
-          <a:effectRef idx="0">
-            <a:schemeClr val="accent1"/>
-          </a:effectRef>
-          <a:fontRef idx="minor">
-            <a:schemeClr val="tx1"/>
-          </a:fontRef>
-        </p:style>
-      </p:cxnSp>
-      <p:sp>
-        <p:nvSpPr>
-          <p:cNvPr id="51" name="Arc 50">
-            <a:extLst>
-              <a:ext uri="{FF2B5EF4-FFF2-40B4-BE49-F238E27FC236}">
-                <a16:creationId xmlns:a16="http://schemas.microsoft.com/office/drawing/2014/main" id="{09A56795-8656-624A-B2AB-2C04AEDBFFC6}"/>
-              </a:ext>
-            </a:extLst>
-          </p:cNvPr>
-          <p:cNvSpPr/>
-          <p:nvPr/>
-        </p:nvSpPr>
-        <p:spPr>
-          <a:xfrm>
-            <a:off x="1545263" y="996479"/>
-            <a:ext cx="5709684" cy="3423685"/>
-          </a:xfrm>
-          <a:prstGeom prst="arc">
-            <a:avLst>
-              <a:gd name="adj1" fmla="val 13413600"/>
-              <a:gd name="adj2" fmla="val 19175026"/>
-            </a:avLst>
-          </a:prstGeom>
-          <a:ln w="22225">
-            <a:solidFill>
-              <a:schemeClr val="tx1"/>
-            </a:solidFill>
-          </a:ln>
-        </p:spPr>
-        <p:style>
-          <a:lnRef idx="1">
-            <a:schemeClr val="accent1"/>
-          </a:lnRef>
-          <a:fillRef idx="0">
-            <a:schemeClr val="accent1"/>
-          </a:fillRef>
-          <a:effectRef idx="0">
-            <a:schemeClr val="accent1"/>
-          </a:effectRef>
-          <a:fontRef idx="minor">
-            <a:schemeClr val="tx1"/>
-          </a:fontRef>
-        </p:style>
-        <p:txBody>
-          <a:bodyPr rtlCol="0" anchor="ctr"/>
-          <a:lstStyle/>
-          <a:p>
-            <a:pPr algn="ctr"/>
-            <a:endParaRPr lang="en-US"/>
-          </a:p>
-        </p:txBody>
-      </p:sp>
-      <p:sp>
-        <p:nvSpPr>
-          <p:cNvPr id="52" name="Arc 51">
-            <a:extLst>
-              <a:ext uri="{FF2B5EF4-FFF2-40B4-BE49-F238E27FC236}">
-                <a16:creationId xmlns:a16="http://schemas.microsoft.com/office/drawing/2014/main" id="{6BEE5DFA-F66C-D744-898C-1A6DBA316B10}"/>
-              </a:ext>
-            </a:extLst>
-          </p:cNvPr>
-          <p:cNvSpPr/>
-          <p:nvPr/>
-        </p:nvSpPr>
-        <p:spPr>
-          <a:xfrm>
-            <a:off x="1988279" y="1701771"/>
-            <a:ext cx="4846728" cy="2906233"/>
-          </a:xfrm>
-          <a:prstGeom prst="arc">
-            <a:avLst>
-              <a:gd name="adj1" fmla="val 13340551"/>
-              <a:gd name="adj2" fmla="val 19175026"/>
-            </a:avLst>
-          </a:prstGeom>
-          <a:ln w="22225">
-            <a:solidFill>
-              <a:schemeClr val="tx1"/>
-            </a:solidFill>
-            <a:prstDash val="lgDash"/>
-          </a:ln>
-        </p:spPr>
-        <p:style>
-          <a:lnRef idx="1">
-            <a:schemeClr val="accent1"/>
-          </a:lnRef>
-          <a:fillRef idx="0">
-            <a:schemeClr val="accent1"/>
-          </a:fillRef>
-          <a:effectRef idx="0">
-            <a:schemeClr val="accent1"/>
-          </a:effectRef>
-          <a:fontRef idx="minor">
-            <a:schemeClr val="tx1"/>
-          </a:fontRef>
-        </p:style>
-        <p:txBody>
-          <a:bodyPr rtlCol="0" anchor="ctr"/>
-          <a:lstStyle/>
-          <a:p>
-            <a:pPr algn="ctr"/>
-            <a:endParaRPr lang="en-US"/>
-          </a:p>
-        </p:txBody>
-      </p:sp>
-      <p:sp>
-        <p:nvSpPr>
-          <p:cNvPr id="53" name="Arc 52">
-            <a:extLst>
-              <a:ext uri="{FF2B5EF4-FFF2-40B4-BE49-F238E27FC236}">
-                <a16:creationId xmlns:a16="http://schemas.microsoft.com/office/drawing/2014/main" id="{3809AC75-4C7B-004C-B5DA-77EA8E95362F}"/>
-              </a:ext>
-            </a:extLst>
-          </p:cNvPr>
-          <p:cNvSpPr/>
-          <p:nvPr/>
-        </p:nvSpPr>
-        <p:spPr>
-          <a:xfrm>
-            <a:off x="2083974" y="2045560"/>
-            <a:ext cx="4667700" cy="2798882"/>
-          </a:xfrm>
-          <a:prstGeom prst="arc">
-            <a:avLst>
-              <a:gd name="adj1" fmla="val 13413600"/>
-              <a:gd name="adj2" fmla="val 19076388"/>
-            </a:avLst>
-          </a:prstGeom>
-          <a:ln w="22225">
-            <a:solidFill>
-              <a:schemeClr val="tx1"/>
-            </a:solidFill>
-            <a:prstDash val="lgDash"/>
-          </a:ln>
-        </p:spPr>
-        <p:style>
-          <a:lnRef idx="1">
-            <a:schemeClr val="accent1"/>
-          </a:lnRef>
-          <a:fillRef idx="0">
-            <a:schemeClr val="accent1"/>
-          </a:fillRef>
-          <a:effectRef idx="0">
-            <a:schemeClr val="accent1"/>
-          </a:effectRef>
-          <a:fontRef idx="minor">
-            <a:schemeClr val="tx1"/>
-          </a:fontRef>
-        </p:style>
-        <p:txBody>
-          <a:bodyPr rtlCol="0" anchor="ctr"/>
-          <a:lstStyle/>
-          <a:p>
-            <a:pPr algn="ctr"/>
-            <a:endParaRPr lang="en-US"/>
-          </a:p>
-        </p:txBody>
-      </p:sp>
-      <p:sp>
-        <p:nvSpPr>
-          <p:cNvPr id="54" name="Arc 53">
-            <a:extLst>
-              <a:ext uri="{FF2B5EF4-FFF2-40B4-BE49-F238E27FC236}">
-                <a16:creationId xmlns:a16="http://schemas.microsoft.com/office/drawing/2014/main" id="{DA1B9DD5-B1CF-BE43-A38D-2A230E6A2991}"/>
-              </a:ext>
-            </a:extLst>
-          </p:cNvPr>
-          <p:cNvSpPr/>
-          <p:nvPr/>
-        </p:nvSpPr>
-        <p:spPr>
-          <a:xfrm>
-            <a:off x="3636329" y="5621655"/>
-            <a:ext cx="1403504" cy="841580"/>
-          </a:xfrm>
-          <a:prstGeom prst="arc">
-            <a:avLst>
-              <a:gd name="adj1" fmla="val 14299320"/>
-              <a:gd name="adj2" fmla="val 18502475"/>
-            </a:avLst>
-          </a:prstGeom>
-          <a:ln w="22225">
-            <a:solidFill>
-              <a:schemeClr val="tx1"/>
-            </a:solidFill>
-          </a:ln>
-        </p:spPr>
-        <p:style>
-          <a:lnRef idx="1">
-            <a:schemeClr val="accent1"/>
-          </a:lnRef>
-          <a:fillRef idx="0">
-            <a:schemeClr val="accent1"/>
-          </a:fillRef>
-          <a:effectRef idx="0">
-            <a:schemeClr val="accent1"/>
-          </a:effectRef>
-          <a:fontRef idx="minor">
-            <a:schemeClr val="tx1"/>
-          </a:fontRef>
-        </p:style>
-        <p:txBody>
-          <a:bodyPr rtlCol="0" anchor="ctr"/>
-          <a:lstStyle/>
-          <a:p>
-            <a:pPr algn="ctr"/>
-            <a:endParaRPr lang="en-US"/>
-          </a:p>
-        </p:txBody>
-      </p:sp>
-      <p:sp>
-        <p:nvSpPr>
-          <p:cNvPr id="55" name="Arc 54">
-            <a:extLst>
-              <a:ext uri="{FF2B5EF4-FFF2-40B4-BE49-F238E27FC236}">
-                <a16:creationId xmlns:a16="http://schemas.microsoft.com/office/drawing/2014/main" id="{C4505020-0642-544D-900F-DB84060F6066}"/>
-              </a:ext>
-            </a:extLst>
-          </p:cNvPr>
-          <p:cNvSpPr/>
-          <p:nvPr/>
-        </p:nvSpPr>
-        <p:spPr>
-          <a:xfrm>
-            <a:off x="3175587" y="4359916"/>
-            <a:ext cx="2459668" cy="1474885"/>
-          </a:xfrm>
-          <a:prstGeom prst="arc">
-            <a:avLst>
-              <a:gd name="adj1" fmla="val 13528787"/>
-              <a:gd name="adj2" fmla="val 18839079"/>
-            </a:avLst>
-          </a:prstGeom>
-          <a:ln w="22225">
-            <a:solidFill>
-              <a:schemeClr val="tx1"/>
-            </a:solidFill>
-          </a:ln>
-        </p:spPr>
-        <p:style>
-          <a:lnRef idx="1">
-            <a:schemeClr val="accent1"/>
-          </a:lnRef>
-          <a:fillRef idx="0">
-            <a:schemeClr val="accent1"/>
-          </a:fillRef>
-          <a:effectRef idx="0">
-            <a:schemeClr val="accent1"/>
-          </a:effectRef>
-          <a:fontRef idx="minor">
-            <a:schemeClr val="tx1"/>
-          </a:fontRef>
-        </p:style>
-        <p:txBody>
-          <a:bodyPr rtlCol="0" anchor="ctr"/>
-          <a:lstStyle/>
-          <a:p>
-            <a:pPr algn="ctr"/>
-            <a:endParaRPr lang="en-US"/>
-          </a:p>
-        </p:txBody>
-      </p:sp>
-      <p:sp>
-        <p:nvSpPr>
           <p:cNvPr id="22" name="TextBox 21">
             <a:extLst>
               <a:ext uri="{FF2B5EF4-FFF2-40B4-BE49-F238E27FC236}">
@@ -4891,7 +5481,7 @@
         </p:nvSpPr>
         <p:spPr>
           <a:xfrm>
-            <a:off x="3694975" y="2676102"/>
+            <a:off x="5523775" y="2988074"/>
             <a:ext cx="1521570" cy="830997"/>
           </a:xfrm>
           <a:prstGeom prst="rect">
@@ -4905,7 +5495,6 @@
           </a:bodyPr>
           <a:lstStyle/>
           <a:p>
-            <a:pPr algn="ctr"/>
             <a:r>
               <a:rPr lang="en-US" sz="2400">
                 <a:latin typeface="Swell Braille" pitchFamily="49"/>
@@ -5193,7 +5782,6 @@
           </p:cNvPr>
           <p:cNvCxnSpPr>
             <a:cxnSpLocks/>
-            <a:stCxn id="2" idx="2"/>
           </p:cNvCxnSpPr>
           <p:nvPr/>
         </p:nvCxnSpPr>
@@ -5354,6 +5942,1429 @@
           </a:p>
         </p:txBody>
       </p:sp>
+      <p:grpSp>
+        <p:nvGrpSpPr>
+          <p:cNvPr id="37" name="Group 36">
+            <a:extLst>
+              <a:ext uri="{FF2B5EF4-FFF2-40B4-BE49-F238E27FC236}">
+                <a16:creationId xmlns:a16="http://schemas.microsoft.com/office/drawing/2014/main" id="{19A548F5-6250-A549-9D1F-6B8FAA5E6EE1}"/>
+              </a:ext>
+            </a:extLst>
+          </p:cNvPr>
+          <p:cNvGrpSpPr/>
+          <p:nvPr/>
+        </p:nvGrpSpPr>
+        <p:grpSpPr>
+          <a:xfrm>
+            <a:off x="1541722" y="946505"/>
+            <a:ext cx="5713225" cy="5615159"/>
+            <a:chOff x="1541722" y="946505"/>
+            <a:chExt cx="5713225" cy="5615159"/>
+          </a:xfrm>
+        </p:grpSpPr>
+        <p:sp>
+          <p:nvSpPr>
+            <p:cNvPr id="38" name="Freeform 37">
+              <a:extLst>
+                <a:ext uri="{FF2B5EF4-FFF2-40B4-BE49-F238E27FC236}">
+                  <a16:creationId xmlns:a16="http://schemas.microsoft.com/office/drawing/2014/main" id="{098F9E3C-2B19-204C-933A-A913237C08F9}"/>
+                </a:ext>
+              </a:extLst>
+            </p:cNvPr>
+            <p:cNvSpPr/>
+            <p:nvPr/>
+          </p:nvSpPr>
+          <p:spPr>
+            <a:xfrm>
+              <a:off x="3171825" y="2043113"/>
+              <a:ext cx="2543175" cy="2443162"/>
+            </a:xfrm>
+            <a:custGeom>
+              <a:avLst/>
+              <a:gdLst>
+                <a:gd name="connsiteX0" fmla="*/ 0 w 2543175"/>
+                <a:gd name="connsiteY0" fmla="*/ 228600 h 2443162"/>
+                <a:gd name="connsiteX1" fmla="*/ 614363 w 2543175"/>
+                <a:gd name="connsiteY1" fmla="*/ 2428875 h 2443162"/>
+                <a:gd name="connsiteX2" fmla="*/ 857250 w 2543175"/>
+                <a:gd name="connsiteY2" fmla="*/ 2371725 h 2443162"/>
+                <a:gd name="connsiteX3" fmla="*/ 1171575 w 2543175"/>
+                <a:gd name="connsiteY3" fmla="*/ 2328862 h 2443162"/>
+                <a:gd name="connsiteX4" fmla="*/ 1428750 w 2543175"/>
+                <a:gd name="connsiteY4" fmla="*/ 2328862 h 2443162"/>
+                <a:gd name="connsiteX5" fmla="*/ 1657350 w 2543175"/>
+                <a:gd name="connsiteY5" fmla="*/ 2371725 h 2443162"/>
+                <a:gd name="connsiteX6" fmla="*/ 1871663 w 2543175"/>
+                <a:gd name="connsiteY6" fmla="*/ 2443162 h 2443162"/>
+                <a:gd name="connsiteX7" fmla="*/ 2543175 w 2543175"/>
+                <a:gd name="connsiteY7" fmla="*/ 271462 h 2443162"/>
+                <a:gd name="connsiteX8" fmla="*/ 2200275 w 2543175"/>
+                <a:gd name="connsiteY8" fmla="*/ 157162 h 2443162"/>
+                <a:gd name="connsiteX9" fmla="*/ 1957388 w 2543175"/>
+                <a:gd name="connsiteY9" fmla="*/ 71437 h 2443162"/>
+                <a:gd name="connsiteX10" fmla="*/ 1685925 w 2543175"/>
+                <a:gd name="connsiteY10" fmla="*/ 28575 h 2443162"/>
+                <a:gd name="connsiteX11" fmla="*/ 1443038 w 2543175"/>
+                <a:gd name="connsiteY11" fmla="*/ 14287 h 2443162"/>
+                <a:gd name="connsiteX12" fmla="*/ 1114425 w 2543175"/>
+                <a:gd name="connsiteY12" fmla="*/ 0 h 2443162"/>
+                <a:gd name="connsiteX13" fmla="*/ 771525 w 2543175"/>
+                <a:gd name="connsiteY13" fmla="*/ 42862 h 2443162"/>
+                <a:gd name="connsiteX14" fmla="*/ 442913 w 2543175"/>
+                <a:gd name="connsiteY14" fmla="*/ 100012 h 2443162"/>
+                <a:gd name="connsiteX15" fmla="*/ 185738 w 2543175"/>
+                <a:gd name="connsiteY15" fmla="*/ 185737 h 2443162"/>
+                <a:gd name="connsiteX16" fmla="*/ 0 w 2543175"/>
+                <a:gd name="connsiteY16" fmla="*/ 228600 h 2443162"/>
+              </a:gdLst>
+              <a:ahLst/>
+              <a:cxnLst>
+                <a:cxn ang="0">
+                  <a:pos x="connsiteX0" y="connsiteY0"/>
+                </a:cxn>
+                <a:cxn ang="0">
+                  <a:pos x="connsiteX1" y="connsiteY1"/>
+                </a:cxn>
+                <a:cxn ang="0">
+                  <a:pos x="connsiteX2" y="connsiteY2"/>
+                </a:cxn>
+                <a:cxn ang="0">
+                  <a:pos x="connsiteX3" y="connsiteY3"/>
+                </a:cxn>
+                <a:cxn ang="0">
+                  <a:pos x="connsiteX4" y="connsiteY4"/>
+                </a:cxn>
+                <a:cxn ang="0">
+                  <a:pos x="connsiteX5" y="connsiteY5"/>
+                </a:cxn>
+                <a:cxn ang="0">
+                  <a:pos x="connsiteX6" y="connsiteY6"/>
+                </a:cxn>
+                <a:cxn ang="0">
+                  <a:pos x="connsiteX7" y="connsiteY7"/>
+                </a:cxn>
+                <a:cxn ang="0">
+                  <a:pos x="connsiteX8" y="connsiteY8"/>
+                </a:cxn>
+                <a:cxn ang="0">
+                  <a:pos x="connsiteX9" y="connsiteY9"/>
+                </a:cxn>
+                <a:cxn ang="0">
+                  <a:pos x="connsiteX10" y="connsiteY10"/>
+                </a:cxn>
+                <a:cxn ang="0">
+                  <a:pos x="connsiteX11" y="connsiteY11"/>
+                </a:cxn>
+                <a:cxn ang="0">
+                  <a:pos x="connsiteX12" y="connsiteY12"/>
+                </a:cxn>
+                <a:cxn ang="0">
+                  <a:pos x="connsiteX13" y="connsiteY13"/>
+                </a:cxn>
+                <a:cxn ang="0">
+                  <a:pos x="connsiteX14" y="connsiteY14"/>
+                </a:cxn>
+                <a:cxn ang="0">
+                  <a:pos x="connsiteX15" y="connsiteY15"/>
+                </a:cxn>
+                <a:cxn ang="0">
+                  <a:pos x="connsiteX16" y="connsiteY16"/>
+                </a:cxn>
+              </a:cxnLst>
+              <a:rect l="l" t="t" r="r" b="b"/>
+              <a:pathLst>
+                <a:path w="2543175" h="2443162">
+                  <a:moveTo>
+                    <a:pt x="0" y="228600"/>
+                  </a:moveTo>
+                  <a:lnTo>
+                    <a:pt x="614363" y="2428875"/>
+                  </a:lnTo>
+                  <a:lnTo>
+                    <a:pt x="857250" y="2371725"/>
+                  </a:lnTo>
+                  <a:lnTo>
+                    <a:pt x="1171575" y="2328862"/>
+                  </a:lnTo>
+                  <a:lnTo>
+                    <a:pt x="1428750" y="2328862"/>
+                  </a:lnTo>
+                  <a:lnTo>
+                    <a:pt x="1657350" y="2371725"/>
+                  </a:lnTo>
+                  <a:lnTo>
+                    <a:pt x="1871663" y="2443162"/>
+                  </a:lnTo>
+                  <a:lnTo>
+                    <a:pt x="2543175" y="271462"/>
+                  </a:lnTo>
+                  <a:lnTo>
+                    <a:pt x="2200275" y="157162"/>
+                  </a:lnTo>
+                  <a:lnTo>
+                    <a:pt x="1957388" y="71437"/>
+                  </a:lnTo>
+                  <a:lnTo>
+                    <a:pt x="1685925" y="28575"/>
+                  </a:lnTo>
+                  <a:lnTo>
+                    <a:pt x="1443038" y="14287"/>
+                  </a:lnTo>
+                  <a:lnTo>
+                    <a:pt x="1114425" y="0"/>
+                  </a:lnTo>
+                  <a:lnTo>
+                    <a:pt x="771525" y="42862"/>
+                  </a:lnTo>
+                  <a:lnTo>
+                    <a:pt x="442913" y="100012"/>
+                  </a:lnTo>
+                  <a:lnTo>
+                    <a:pt x="185738" y="185737"/>
+                  </a:lnTo>
+                  <a:lnTo>
+                    <a:pt x="0" y="228600"/>
+                  </a:lnTo>
+                  <a:close/>
+                </a:path>
+              </a:pathLst>
+            </a:custGeom>
+            <a:pattFill prst="wdDnDiag">
+              <a:fgClr>
+                <a:schemeClr val="tx1"/>
+              </a:fgClr>
+              <a:bgClr>
+                <a:schemeClr val="bg1"/>
+              </a:bgClr>
+            </a:pattFill>
+            <a:ln>
+              <a:noFill/>
+            </a:ln>
+          </p:spPr>
+          <p:style>
+            <a:lnRef idx="2">
+              <a:schemeClr val="accent1">
+                <a:shade val="50000"/>
+              </a:schemeClr>
+            </a:lnRef>
+            <a:fillRef idx="1">
+              <a:schemeClr val="accent1"/>
+            </a:fillRef>
+            <a:effectRef idx="0">
+              <a:schemeClr val="accent1"/>
+            </a:effectRef>
+            <a:fontRef idx="minor">
+              <a:schemeClr val="lt1"/>
+            </a:fontRef>
+          </p:style>
+          <p:txBody>
+            <a:bodyPr rtlCol="0" anchor="ctr"/>
+            <a:lstStyle/>
+            <a:p>
+              <a:pPr algn="ctr"/>
+              <a:endParaRPr lang="en-US"/>
+            </a:p>
+          </p:txBody>
+        </p:sp>
+        <p:sp>
+          <p:nvSpPr>
+            <p:cNvPr id="39" name="Freeform 38">
+              <a:extLst>
+                <a:ext uri="{FF2B5EF4-FFF2-40B4-BE49-F238E27FC236}">
+                  <a16:creationId xmlns:a16="http://schemas.microsoft.com/office/drawing/2014/main" id="{8C633469-6ED8-3E43-938C-9A6DE406F71A}"/>
+                </a:ext>
+              </a:extLst>
+            </p:cNvPr>
+            <p:cNvSpPr/>
+            <p:nvPr/>
+          </p:nvSpPr>
+          <p:spPr>
+            <a:xfrm>
+              <a:off x="4141694" y="5647765"/>
+              <a:ext cx="494852" cy="882127"/>
+            </a:xfrm>
+            <a:custGeom>
+              <a:avLst/>
+              <a:gdLst>
+                <a:gd name="connsiteX0" fmla="*/ 0 w 494852"/>
+                <a:gd name="connsiteY0" fmla="*/ 10757 h 882127"/>
+                <a:gd name="connsiteX1" fmla="*/ 225911 w 494852"/>
+                <a:gd name="connsiteY1" fmla="*/ 882127 h 882127"/>
+                <a:gd name="connsiteX2" fmla="*/ 494852 w 494852"/>
+                <a:gd name="connsiteY2" fmla="*/ 32273 h 882127"/>
+                <a:gd name="connsiteX3" fmla="*/ 333487 w 494852"/>
+                <a:gd name="connsiteY3" fmla="*/ 10757 h 882127"/>
+                <a:gd name="connsiteX4" fmla="*/ 172122 w 494852"/>
+                <a:gd name="connsiteY4" fmla="*/ 0 h 882127"/>
+                <a:gd name="connsiteX5" fmla="*/ 64546 w 494852"/>
+                <a:gd name="connsiteY5" fmla="*/ 0 h 882127"/>
+                <a:gd name="connsiteX6" fmla="*/ 0 w 494852"/>
+                <a:gd name="connsiteY6" fmla="*/ 10757 h 882127"/>
+              </a:gdLst>
+              <a:ahLst/>
+              <a:cxnLst>
+                <a:cxn ang="0">
+                  <a:pos x="connsiteX0" y="connsiteY0"/>
+                </a:cxn>
+                <a:cxn ang="0">
+                  <a:pos x="connsiteX1" y="connsiteY1"/>
+                </a:cxn>
+                <a:cxn ang="0">
+                  <a:pos x="connsiteX2" y="connsiteY2"/>
+                </a:cxn>
+                <a:cxn ang="0">
+                  <a:pos x="connsiteX3" y="connsiteY3"/>
+                </a:cxn>
+                <a:cxn ang="0">
+                  <a:pos x="connsiteX4" y="connsiteY4"/>
+                </a:cxn>
+                <a:cxn ang="0">
+                  <a:pos x="connsiteX5" y="connsiteY5"/>
+                </a:cxn>
+                <a:cxn ang="0">
+                  <a:pos x="connsiteX6" y="connsiteY6"/>
+                </a:cxn>
+              </a:cxnLst>
+              <a:rect l="l" t="t" r="r" b="b"/>
+              <a:pathLst>
+                <a:path w="494852" h="882127">
+                  <a:moveTo>
+                    <a:pt x="0" y="10757"/>
+                  </a:moveTo>
+                  <a:lnTo>
+                    <a:pt x="225911" y="882127"/>
+                  </a:lnTo>
+                  <a:lnTo>
+                    <a:pt x="494852" y="32273"/>
+                  </a:lnTo>
+                  <a:lnTo>
+                    <a:pt x="333487" y="10757"/>
+                  </a:lnTo>
+                  <a:lnTo>
+                    <a:pt x="172122" y="0"/>
+                  </a:lnTo>
+                  <a:lnTo>
+                    <a:pt x="64546" y="0"/>
+                  </a:lnTo>
+                  <a:lnTo>
+                    <a:pt x="0" y="10757"/>
+                  </a:lnTo>
+                  <a:close/>
+                </a:path>
+              </a:pathLst>
+            </a:custGeom>
+            <a:solidFill>
+              <a:schemeClr val="tx1"/>
+            </a:solidFill>
+            <a:ln w="19050">
+              <a:solidFill>
+                <a:schemeClr val="tx1"/>
+              </a:solidFill>
+            </a:ln>
+          </p:spPr>
+          <p:style>
+            <a:lnRef idx="2">
+              <a:schemeClr val="accent1">
+                <a:shade val="50000"/>
+              </a:schemeClr>
+            </a:lnRef>
+            <a:fillRef idx="1">
+              <a:schemeClr val="accent1"/>
+            </a:fillRef>
+            <a:effectRef idx="0">
+              <a:schemeClr val="accent1"/>
+            </a:effectRef>
+            <a:fontRef idx="minor">
+              <a:schemeClr val="lt1"/>
+            </a:fontRef>
+          </p:style>
+          <p:txBody>
+            <a:bodyPr rtlCol="0" anchor="ctr"/>
+            <a:lstStyle/>
+            <a:p>
+              <a:pPr algn="ctr"/>
+              <a:endParaRPr lang="en-US"/>
+            </a:p>
+          </p:txBody>
+        </p:sp>
+        <p:sp>
+          <p:nvSpPr>
+            <p:cNvPr id="40" name="Freeform 39">
+              <a:extLst>
+                <a:ext uri="{FF2B5EF4-FFF2-40B4-BE49-F238E27FC236}">
+                  <a16:creationId xmlns:a16="http://schemas.microsoft.com/office/drawing/2014/main" id="{6D82BC50-E5B5-3944-BD27-65B9ACA5985C}"/>
+                </a:ext>
+              </a:extLst>
+            </p:cNvPr>
+            <p:cNvSpPr/>
+            <p:nvPr/>
+          </p:nvSpPr>
+          <p:spPr>
+            <a:xfrm>
+              <a:off x="3808207" y="4378362"/>
+              <a:ext cx="1204857" cy="1312433"/>
+            </a:xfrm>
+            <a:custGeom>
+              <a:avLst/>
+              <a:gdLst>
+                <a:gd name="connsiteX0" fmla="*/ 0 w 1204857"/>
+                <a:gd name="connsiteY0" fmla="*/ 96819 h 1312433"/>
+                <a:gd name="connsiteX1" fmla="*/ 311972 w 1204857"/>
+                <a:gd name="connsiteY1" fmla="*/ 1280160 h 1312433"/>
+                <a:gd name="connsiteX2" fmla="*/ 451821 w 1204857"/>
+                <a:gd name="connsiteY2" fmla="*/ 1258645 h 1312433"/>
+                <a:gd name="connsiteX3" fmla="*/ 623944 w 1204857"/>
+                <a:gd name="connsiteY3" fmla="*/ 1269403 h 1312433"/>
+                <a:gd name="connsiteX4" fmla="*/ 774551 w 1204857"/>
+                <a:gd name="connsiteY4" fmla="*/ 1280160 h 1312433"/>
+                <a:gd name="connsiteX5" fmla="*/ 774551 w 1204857"/>
+                <a:gd name="connsiteY5" fmla="*/ 1280160 h 1312433"/>
+                <a:gd name="connsiteX6" fmla="*/ 774551 w 1204857"/>
+                <a:gd name="connsiteY6" fmla="*/ 1280160 h 1312433"/>
+                <a:gd name="connsiteX7" fmla="*/ 860612 w 1204857"/>
+                <a:gd name="connsiteY7" fmla="*/ 1312433 h 1312433"/>
+                <a:gd name="connsiteX8" fmla="*/ 1204857 w 1204857"/>
+                <a:gd name="connsiteY8" fmla="*/ 107577 h 1312433"/>
+                <a:gd name="connsiteX9" fmla="*/ 1032734 w 1204857"/>
+                <a:gd name="connsiteY9" fmla="*/ 43031 h 1312433"/>
+                <a:gd name="connsiteX10" fmla="*/ 796066 w 1204857"/>
+                <a:gd name="connsiteY10" fmla="*/ 0 h 1312433"/>
+                <a:gd name="connsiteX11" fmla="*/ 591671 w 1204857"/>
+                <a:gd name="connsiteY11" fmla="*/ 0 h 1312433"/>
+                <a:gd name="connsiteX12" fmla="*/ 398033 w 1204857"/>
+                <a:gd name="connsiteY12" fmla="*/ 0 h 1312433"/>
+                <a:gd name="connsiteX13" fmla="*/ 161365 w 1204857"/>
+                <a:gd name="connsiteY13" fmla="*/ 53789 h 1312433"/>
+                <a:gd name="connsiteX14" fmla="*/ 0 w 1204857"/>
+                <a:gd name="connsiteY14" fmla="*/ 96819 h 1312433"/>
+              </a:gdLst>
+              <a:ahLst/>
+              <a:cxnLst>
+                <a:cxn ang="0">
+                  <a:pos x="connsiteX0" y="connsiteY0"/>
+                </a:cxn>
+                <a:cxn ang="0">
+                  <a:pos x="connsiteX1" y="connsiteY1"/>
+                </a:cxn>
+                <a:cxn ang="0">
+                  <a:pos x="connsiteX2" y="connsiteY2"/>
+                </a:cxn>
+                <a:cxn ang="0">
+                  <a:pos x="connsiteX3" y="connsiteY3"/>
+                </a:cxn>
+                <a:cxn ang="0">
+                  <a:pos x="connsiteX4" y="connsiteY4"/>
+                </a:cxn>
+                <a:cxn ang="0">
+                  <a:pos x="connsiteX5" y="connsiteY5"/>
+                </a:cxn>
+                <a:cxn ang="0">
+                  <a:pos x="connsiteX6" y="connsiteY6"/>
+                </a:cxn>
+                <a:cxn ang="0">
+                  <a:pos x="connsiteX7" y="connsiteY7"/>
+                </a:cxn>
+                <a:cxn ang="0">
+                  <a:pos x="connsiteX8" y="connsiteY8"/>
+                </a:cxn>
+                <a:cxn ang="0">
+                  <a:pos x="connsiteX9" y="connsiteY9"/>
+                </a:cxn>
+                <a:cxn ang="0">
+                  <a:pos x="connsiteX10" y="connsiteY10"/>
+                </a:cxn>
+                <a:cxn ang="0">
+                  <a:pos x="connsiteX11" y="connsiteY11"/>
+                </a:cxn>
+                <a:cxn ang="0">
+                  <a:pos x="connsiteX12" y="connsiteY12"/>
+                </a:cxn>
+                <a:cxn ang="0">
+                  <a:pos x="connsiteX13" y="connsiteY13"/>
+                </a:cxn>
+                <a:cxn ang="0">
+                  <a:pos x="connsiteX14" y="connsiteY14"/>
+                </a:cxn>
+              </a:cxnLst>
+              <a:rect l="l" t="t" r="r" b="b"/>
+              <a:pathLst>
+                <a:path w="1204857" h="1312433">
+                  <a:moveTo>
+                    <a:pt x="0" y="96819"/>
+                  </a:moveTo>
+                  <a:lnTo>
+                    <a:pt x="311972" y="1280160"/>
+                  </a:lnTo>
+                  <a:lnTo>
+                    <a:pt x="451821" y="1258645"/>
+                  </a:lnTo>
+                  <a:lnTo>
+                    <a:pt x="623944" y="1269403"/>
+                  </a:lnTo>
+                  <a:lnTo>
+                    <a:pt x="774551" y="1280160"/>
+                  </a:lnTo>
+                  <a:lnTo>
+                    <a:pt x="774551" y="1280160"/>
+                  </a:lnTo>
+                  <a:lnTo>
+                    <a:pt x="774551" y="1280160"/>
+                  </a:lnTo>
+                  <a:lnTo>
+                    <a:pt x="860612" y="1312433"/>
+                  </a:lnTo>
+                  <a:lnTo>
+                    <a:pt x="1204857" y="107577"/>
+                  </a:lnTo>
+                  <a:lnTo>
+                    <a:pt x="1032734" y="43031"/>
+                  </a:lnTo>
+                  <a:lnTo>
+                    <a:pt x="796066" y="0"/>
+                  </a:lnTo>
+                  <a:lnTo>
+                    <a:pt x="591671" y="0"/>
+                  </a:lnTo>
+                  <a:lnTo>
+                    <a:pt x="398033" y="0"/>
+                  </a:lnTo>
+                  <a:lnTo>
+                    <a:pt x="161365" y="53789"/>
+                  </a:lnTo>
+                  <a:lnTo>
+                    <a:pt x="0" y="96819"/>
+                  </a:lnTo>
+                  <a:close/>
+                </a:path>
+              </a:pathLst>
+            </a:custGeom>
+            <a:pattFill prst="solidDmnd">
+              <a:fgClr>
+                <a:schemeClr val="tx1"/>
+              </a:fgClr>
+              <a:bgClr>
+                <a:schemeClr val="bg1"/>
+              </a:bgClr>
+            </a:pattFill>
+            <a:ln>
+              <a:noFill/>
+            </a:ln>
+          </p:spPr>
+          <p:style>
+            <a:lnRef idx="2">
+              <a:schemeClr val="accent1">
+                <a:shade val="50000"/>
+              </a:schemeClr>
+            </a:lnRef>
+            <a:fillRef idx="1">
+              <a:schemeClr val="accent1"/>
+            </a:fillRef>
+            <a:effectRef idx="0">
+              <a:schemeClr val="accent1"/>
+            </a:effectRef>
+            <a:fontRef idx="minor">
+              <a:schemeClr val="lt1"/>
+            </a:fontRef>
+          </p:style>
+          <p:txBody>
+            <a:bodyPr rtlCol="0" anchor="ctr"/>
+            <a:lstStyle/>
+            <a:p>
+              <a:pPr algn="ctr"/>
+              <a:endParaRPr lang="en-US"/>
+            </a:p>
+          </p:txBody>
+        </p:sp>
+        <p:sp>
+          <p:nvSpPr>
+            <p:cNvPr id="41" name="Freeform 40">
+              <a:extLst>
+                <a:ext uri="{FF2B5EF4-FFF2-40B4-BE49-F238E27FC236}">
+                  <a16:creationId xmlns:a16="http://schemas.microsoft.com/office/drawing/2014/main" id="{730AB18A-D0F5-BD4B-A109-3940166C5B85}"/>
+                </a:ext>
+              </a:extLst>
+            </p:cNvPr>
+            <p:cNvSpPr/>
+            <p:nvPr/>
+          </p:nvSpPr>
+          <p:spPr>
+            <a:xfrm>
+              <a:off x="2904565" y="1011219"/>
+              <a:ext cx="3119717" cy="1280160"/>
+            </a:xfrm>
+            <a:custGeom>
+              <a:avLst/>
+              <a:gdLst>
+                <a:gd name="connsiteX0" fmla="*/ 0 w 3119717"/>
+                <a:gd name="connsiteY0" fmla="*/ 258183 h 1280160"/>
+                <a:gd name="connsiteX1" fmla="*/ 258183 w 3119717"/>
+                <a:gd name="connsiteY1" fmla="*/ 1269402 h 1280160"/>
+                <a:gd name="connsiteX2" fmla="*/ 484094 w 3119717"/>
+                <a:gd name="connsiteY2" fmla="*/ 1172583 h 1280160"/>
+                <a:gd name="connsiteX3" fmla="*/ 817581 w 3119717"/>
+                <a:gd name="connsiteY3" fmla="*/ 1097280 h 1280160"/>
+                <a:gd name="connsiteX4" fmla="*/ 1172583 w 3119717"/>
+                <a:gd name="connsiteY4" fmla="*/ 1043492 h 1280160"/>
+                <a:gd name="connsiteX5" fmla="*/ 1549101 w 3119717"/>
+                <a:gd name="connsiteY5" fmla="*/ 1043492 h 1280160"/>
+                <a:gd name="connsiteX6" fmla="*/ 1893346 w 3119717"/>
+                <a:gd name="connsiteY6" fmla="*/ 1054249 h 1280160"/>
+                <a:gd name="connsiteX7" fmla="*/ 2183802 w 3119717"/>
+                <a:gd name="connsiteY7" fmla="*/ 1108037 h 1280160"/>
+                <a:gd name="connsiteX8" fmla="*/ 2420470 w 3119717"/>
+                <a:gd name="connsiteY8" fmla="*/ 1151068 h 1280160"/>
+                <a:gd name="connsiteX9" fmla="*/ 2646381 w 3119717"/>
+                <a:gd name="connsiteY9" fmla="*/ 1226372 h 1280160"/>
+                <a:gd name="connsiteX10" fmla="*/ 2829261 w 3119717"/>
+                <a:gd name="connsiteY10" fmla="*/ 1280160 h 1280160"/>
+                <a:gd name="connsiteX11" fmla="*/ 3119717 w 3119717"/>
+                <a:gd name="connsiteY11" fmla="*/ 290456 h 1280160"/>
+                <a:gd name="connsiteX12" fmla="*/ 2775473 w 3119717"/>
+                <a:gd name="connsiteY12" fmla="*/ 182880 h 1280160"/>
+                <a:gd name="connsiteX13" fmla="*/ 2323651 w 3119717"/>
+                <a:gd name="connsiteY13" fmla="*/ 75303 h 1280160"/>
+                <a:gd name="connsiteX14" fmla="*/ 1861073 w 3119717"/>
+                <a:gd name="connsiteY14" fmla="*/ 21515 h 1280160"/>
+                <a:gd name="connsiteX15" fmla="*/ 1495313 w 3119717"/>
+                <a:gd name="connsiteY15" fmla="*/ 0 h 1280160"/>
+                <a:gd name="connsiteX16" fmla="*/ 1043491 w 3119717"/>
+                <a:gd name="connsiteY16" fmla="*/ 21515 h 1280160"/>
+                <a:gd name="connsiteX17" fmla="*/ 602428 w 3119717"/>
+                <a:gd name="connsiteY17" fmla="*/ 86061 h 1280160"/>
+                <a:gd name="connsiteX18" fmla="*/ 215153 w 3119717"/>
+                <a:gd name="connsiteY18" fmla="*/ 182880 h 1280160"/>
+                <a:gd name="connsiteX19" fmla="*/ 0 w 3119717"/>
+                <a:gd name="connsiteY19" fmla="*/ 258183 h 1280160"/>
+              </a:gdLst>
+              <a:ahLst/>
+              <a:cxnLst>
+                <a:cxn ang="0">
+                  <a:pos x="connsiteX0" y="connsiteY0"/>
+                </a:cxn>
+                <a:cxn ang="0">
+                  <a:pos x="connsiteX1" y="connsiteY1"/>
+                </a:cxn>
+                <a:cxn ang="0">
+                  <a:pos x="connsiteX2" y="connsiteY2"/>
+                </a:cxn>
+                <a:cxn ang="0">
+                  <a:pos x="connsiteX3" y="connsiteY3"/>
+                </a:cxn>
+                <a:cxn ang="0">
+                  <a:pos x="connsiteX4" y="connsiteY4"/>
+                </a:cxn>
+                <a:cxn ang="0">
+                  <a:pos x="connsiteX5" y="connsiteY5"/>
+                </a:cxn>
+                <a:cxn ang="0">
+                  <a:pos x="connsiteX6" y="connsiteY6"/>
+                </a:cxn>
+                <a:cxn ang="0">
+                  <a:pos x="connsiteX7" y="connsiteY7"/>
+                </a:cxn>
+                <a:cxn ang="0">
+                  <a:pos x="connsiteX8" y="connsiteY8"/>
+                </a:cxn>
+                <a:cxn ang="0">
+                  <a:pos x="connsiteX9" y="connsiteY9"/>
+                </a:cxn>
+                <a:cxn ang="0">
+                  <a:pos x="connsiteX10" y="connsiteY10"/>
+                </a:cxn>
+                <a:cxn ang="0">
+                  <a:pos x="connsiteX11" y="connsiteY11"/>
+                </a:cxn>
+                <a:cxn ang="0">
+                  <a:pos x="connsiteX12" y="connsiteY12"/>
+                </a:cxn>
+                <a:cxn ang="0">
+                  <a:pos x="connsiteX13" y="connsiteY13"/>
+                </a:cxn>
+                <a:cxn ang="0">
+                  <a:pos x="connsiteX14" y="connsiteY14"/>
+                </a:cxn>
+                <a:cxn ang="0">
+                  <a:pos x="connsiteX15" y="connsiteY15"/>
+                </a:cxn>
+                <a:cxn ang="0">
+                  <a:pos x="connsiteX16" y="connsiteY16"/>
+                </a:cxn>
+                <a:cxn ang="0">
+                  <a:pos x="connsiteX17" y="connsiteY17"/>
+                </a:cxn>
+                <a:cxn ang="0">
+                  <a:pos x="connsiteX18" y="connsiteY18"/>
+                </a:cxn>
+                <a:cxn ang="0">
+                  <a:pos x="connsiteX19" y="connsiteY19"/>
+                </a:cxn>
+              </a:cxnLst>
+              <a:rect l="l" t="t" r="r" b="b"/>
+              <a:pathLst>
+                <a:path w="3119717" h="1280160">
+                  <a:moveTo>
+                    <a:pt x="0" y="258183"/>
+                  </a:moveTo>
+                  <a:lnTo>
+                    <a:pt x="258183" y="1269402"/>
+                  </a:lnTo>
+                  <a:lnTo>
+                    <a:pt x="484094" y="1172583"/>
+                  </a:lnTo>
+                  <a:lnTo>
+                    <a:pt x="817581" y="1097280"/>
+                  </a:lnTo>
+                  <a:lnTo>
+                    <a:pt x="1172583" y="1043492"/>
+                  </a:lnTo>
+                  <a:lnTo>
+                    <a:pt x="1549101" y="1043492"/>
+                  </a:lnTo>
+                  <a:lnTo>
+                    <a:pt x="1893346" y="1054249"/>
+                  </a:lnTo>
+                  <a:lnTo>
+                    <a:pt x="2183802" y="1108037"/>
+                  </a:lnTo>
+                  <a:lnTo>
+                    <a:pt x="2420470" y="1151068"/>
+                  </a:lnTo>
+                  <a:lnTo>
+                    <a:pt x="2646381" y="1226372"/>
+                  </a:lnTo>
+                  <a:lnTo>
+                    <a:pt x="2829261" y="1280160"/>
+                  </a:lnTo>
+                  <a:lnTo>
+                    <a:pt x="3119717" y="290456"/>
+                  </a:lnTo>
+                  <a:lnTo>
+                    <a:pt x="2775473" y="182880"/>
+                  </a:lnTo>
+                  <a:lnTo>
+                    <a:pt x="2323651" y="75303"/>
+                  </a:lnTo>
+                  <a:lnTo>
+                    <a:pt x="1861073" y="21515"/>
+                  </a:lnTo>
+                  <a:lnTo>
+                    <a:pt x="1495313" y="0"/>
+                  </a:lnTo>
+                  <a:lnTo>
+                    <a:pt x="1043491" y="21515"/>
+                  </a:lnTo>
+                  <a:lnTo>
+                    <a:pt x="602428" y="86061"/>
+                  </a:lnTo>
+                  <a:lnTo>
+                    <a:pt x="215153" y="182880"/>
+                  </a:lnTo>
+                  <a:lnTo>
+                    <a:pt x="0" y="258183"/>
+                  </a:lnTo>
+                  <a:close/>
+                </a:path>
+              </a:pathLst>
+            </a:custGeom>
+            <a:pattFill prst="pct5">
+              <a:fgClr>
+                <a:schemeClr val="tx1"/>
+              </a:fgClr>
+              <a:bgClr>
+                <a:schemeClr val="bg1"/>
+              </a:bgClr>
+            </a:pattFill>
+            <a:ln>
+              <a:noFill/>
+            </a:ln>
+          </p:spPr>
+          <p:style>
+            <a:lnRef idx="2">
+              <a:schemeClr val="accent1">
+                <a:shade val="50000"/>
+              </a:schemeClr>
+            </a:lnRef>
+            <a:fillRef idx="1">
+              <a:schemeClr val="accent1"/>
+            </a:fillRef>
+            <a:effectRef idx="0">
+              <a:schemeClr val="accent1"/>
+            </a:effectRef>
+            <a:fontRef idx="minor">
+              <a:schemeClr val="lt1"/>
+            </a:fontRef>
+          </p:style>
+          <p:txBody>
+            <a:bodyPr rtlCol="0" anchor="ctr"/>
+            <a:lstStyle/>
+            <a:p>
+              <a:pPr algn="ctr"/>
+              <a:endParaRPr lang="en-US"/>
+            </a:p>
+          </p:txBody>
+        </p:sp>
+        <p:sp>
+          <p:nvSpPr>
+            <p:cNvPr id="42" name="Arc 41">
+              <a:extLst>
+                <a:ext uri="{FF2B5EF4-FFF2-40B4-BE49-F238E27FC236}">
+                  <a16:creationId xmlns:a16="http://schemas.microsoft.com/office/drawing/2014/main" id="{41EB1966-FC60-F747-8934-7B9E5C705901}"/>
+                </a:ext>
+              </a:extLst>
+            </p:cNvPr>
+            <p:cNvSpPr/>
+            <p:nvPr/>
+          </p:nvSpPr>
+          <p:spPr>
+            <a:xfrm>
+              <a:off x="1541722" y="952895"/>
+              <a:ext cx="5709684" cy="3423685"/>
+            </a:xfrm>
+            <a:prstGeom prst="arc">
+              <a:avLst>
+                <a:gd name="adj1" fmla="val 13413600"/>
+                <a:gd name="adj2" fmla="val 19175026"/>
+              </a:avLst>
+            </a:prstGeom>
+            <a:ln w="22225">
+              <a:solidFill>
+                <a:schemeClr val="tx1"/>
+              </a:solidFill>
+            </a:ln>
+          </p:spPr>
+          <p:style>
+            <a:lnRef idx="1">
+              <a:schemeClr val="accent1"/>
+            </a:lnRef>
+            <a:fillRef idx="0">
+              <a:schemeClr val="accent1"/>
+            </a:fillRef>
+            <a:effectRef idx="0">
+              <a:schemeClr val="accent1"/>
+            </a:effectRef>
+            <a:fontRef idx="minor">
+              <a:schemeClr val="tx1"/>
+            </a:fontRef>
+          </p:style>
+          <p:txBody>
+            <a:bodyPr rtlCol="0" anchor="ctr"/>
+            <a:lstStyle/>
+            <a:p>
+              <a:pPr algn="ctr"/>
+              <a:endParaRPr lang="en-US">
+                <a:latin typeface="Arial" panose="020B0604020202020204" pitchFamily="34" charset="0"/>
+                <a:cs typeface="Arial" panose="020B0604020202020204" pitchFamily="34" charset="0"/>
+              </a:endParaRPr>
+            </a:p>
+          </p:txBody>
+        </p:sp>
+        <p:cxnSp>
+          <p:nvCxnSpPr>
+            <p:cNvPr id="43" name="Straight Connector 42">
+              <a:extLst>
+                <a:ext uri="{FF2B5EF4-FFF2-40B4-BE49-F238E27FC236}">
+                  <a16:creationId xmlns:a16="http://schemas.microsoft.com/office/drawing/2014/main" id="{48B3EE91-301B-8549-B510-313F288F3919}"/>
+                </a:ext>
+              </a:extLst>
+            </p:cNvPr>
+            <p:cNvCxnSpPr>
+              <a:stCxn id="42" idx="0"/>
+            </p:cNvCxnSpPr>
+            <p:nvPr/>
+          </p:nvCxnSpPr>
+          <p:spPr>
+            <a:xfrm>
+              <a:off x="2873871" y="1216723"/>
+              <a:ext cx="1496110" cy="5339530"/>
+            </a:xfrm>
+            <a:prstGeom prst="line">
+              <a:avLst/>
+            </a:prstGeom>
+            <a:ln w="22225">
+              <a:solidFill>
+                <a:schemeClr val="tx1"/>
+              </a:solidFill>
+            </a:ln>
+          </p:spPr>
+          <p:style>
+            <a:lnRef idx="1">
+              <a:schemeClr val="accent1"/>
+            </a:lnRef>
+            <a:fillRef idx="0">
+              <a:schemeClr val="accent1"/>
+            </a:fillRef>
+            <a:effectRef idx="0">
+              <a:schemeClr val="accent1"/>
+            </a:effectRef>
+            <a:fontRef idx="minor">
+              <a:schemeClr val="tx1"/>
+            </a:fontRef>
+          </p:style>
+        </p:cxnSp>
+        <p:cxnSp>
+          <p:nvCxnSpPr>
+            <p:cNvPr id="44" name="Straight Connector 43">
+              <a:extLst>
+                <a:ext uri="{FF2B5EF4-FFF2-40B4-BE49-F238E27FC236}">
+                  <a16:creationId xmlns:a16="http://schemas.microsoft.com/office/drawing/2014/main" id="{6AD51D95-BC6D-F144-999E-43B1DB50C175}"/>
+                </a:ext>
+              </a:extLst>
+            </p:cNvPr>
+            <p:cNvCxnSpPr>
+              <a:cxnSpLocks/>
+            </p:cNvCxnSpPr>
+            <p:nvPr/>
+          </p:nvCxnSpPr>
+          <p:spPr>
+            <a:xfrm flipH="1">
+              <a:off x="4369981" y="1266650"/>
+              <a:ext cx="1679945" cy="5295014"/>
+            </a:xfrm>
+            <a:prstGeom prst="line">
+              <a:avLst/>
+            </a:prstGeom>
+            <a:ln w="22225">
+              <a:solidFill>
+                <a:schemeClr val="tx1"/>
+              </a:solidFill>
+            </a:ln>
+          </p:spPr>
+          <p:style>
+            <a:lnRef idx="1">
+              <a:schemeClr val="accent1"/>
+            </a:lnRef>
+            <a:fillRef idx="0">
+              <a:schemeClr val="accent1"/>
+            </a:fillRef>
+            <a:effectRef idx="0">
+              <a:schemeClr val="accent1"/>
+            </a:effectRef>
+            <a:fontRef idx="minor">
+              <a:schemeClr val="tx1"/>
+            </a:fontRef>
+          </p:style>
+        </p:cxnSp>
+        <p:sp>
+          <p:nvSpPr>
+            <p:cNvPr id="45" name="Arc 44">
+              <a:extLst>
+                <a:ext uri="{FF2B5EF4-FFF2-40B4-BE49-F238E27FC236}">
+                  <a16:creationId xmlns:a16="http://schemas.microsoft.com/office/drawing/2014/main" id="{6EDD72FB-AA91-6B49-9423-D0312D218FD3}"/>
+                </a:ext>
+              </a:extLst>
+            </p:cNvPr>
+            <p:cNvSpPr/>
+            <p:nvPr/>
+          </p:nvSpPr>
+          <p:spPr>
+            <a:xfrm>
+              <a:off x="1545263" y="1004379"/>
+              <a:ext cx="5709684" cy="3423685"/>
+            </a:xfrm>
+            <a:prstGeom prst="arc">
+              <a:avLst>
+                <a:gd name="adj1" fmla="val 13413600"/>
+                <a:gd name="adj2" fmla="val 19175026"/>
+              </a:avLst>
+            </a:prstGeom>
+            <a:ln w="22225">
+              <a:solidFill>
+                <a:schemeClr val="tx1"/>
+              </a:solidFill>
+            </a:ln>
+          </p:spPr>
+          <p:style>
+            <a:lnRef idx="1">
+              <a:schemeClr val="accent1"/>
+            </a:lnRef>
+            <a:fillRef idx="0">
+              <a:schemeClr val="accent1"/>
+            </a:fillRef>
+            <a:effectRef idx="0">
+              <a:schemeClr val="accent1"/>
+            </a:effectRef>
+            <a:fontRef idx="minor">
+              <a:schemeClr val="tx1"/>
+            </a:fontRef>
+          </p:style>
+          <p:txBody>
+            <a:bodyPr rtlCol="0" anchor="ctr"/>
+            <a:lstStyle/>
+            <a:p>
+              <a:pPr algn="ctr"/>
+              <a:endParaRPr lang="en-US">
+                <a:latin typeface="Arial" panose="020B0604020202020204" pitchFamily="34" charset="0"/>
+                <a:cs typeface="Arial" panose="020B0604020202020204" pitchFamily="34" charset="0"/>
+              </a:endParaRPr>
+            </a:p>
+          </p:txBody>
+        </p:sp>
+        <p:sp>
+          <p:nvSpPr>
+            <p:cNvPr id="46" name="Arc 45">
+              <a:extLst>
+                <a:ext uri="{FF2B5EF4-FFF2-40B4-BE49-F238E27FC236}">
+                  <a16:creationId xmlns:a16="http://schemas.microsoft.com/office/drawing/2014/main" id="{EEE3020E-2A27-634E-B811-3C48F40F53A7}"/>
+                </a:ext>
+              </a:extLst>
+            </p:cNvPr>
+            <p:cNvSpPr/>
+            <p:nvPr/>
+          </p:nvSpPr>
+          <p:spPr>
+            <a:xfrm>
+              <a:off x="3636329" y="5629555"/>
+              <a:ext cx="1403504" cy="841580"/>
+            </a:xfrm>
+            <a:prstGeom prst="arc">
+              <a:avLst>
+                <a:gd name="adj1" fmla="val 14299320"/>
+                <a:gd name="adj2" fmla="val 18502475"/>
+              </a:avLst>
+            </a:prstGeom>
+            <a:ln w="22225">
+              <a:solidFill>
+                <a:schemeClr val="tx1"/>
+              </a:solidFill>
+            </a:ln>
+          </p:spPr>
+          <p:style>
+            <a:lnRef idx="1">
+              <a:schemeClr val="accent1"/>
+            </a:lnRef>
+            <a:fillRef idx="0">
+              <a:schemeClr val="accent1"/>
+            </a:fillRef>
+            <a:effectRef idx="0">
+              <a:schemeClr val="accent1"/>
+            </a:effectRef>
+            <a:fontRef idx="minor">
+              <a:schemeClr val="tx1"/>
+            </a:fontRef>
+          </p:style>
+          <p:txBody>
+            <a:bodyPr rtlCol="0" anchor="ctr"/>
+            <a:lstStyle/>
+            <a:p>
+              <a:pPr algn="ctr"/>
+              <a:endParaRPr lang="en-US">
+                <a:latin typeface="Arial" panose="020B0604020202020204" pitchFamily="34" charset="0"/>
+                <a:cs typeface="Arial" panose="020B0604020202020204" pitchFamily="34" charset="0"/>
+              </a:endParaRPr>
+            </a:p>
+          </p:txBody>
+        </p:sp>
+        <p:sp>
+          <p:nvSpPr>
+            <p:cNvPr id="47" name="Arc 46">
+              <a:extLst>
+                <a:ext uri="{FF2B5EF4-FFF2-40B4-BE49-F238E27FC236}">
+                  <a16:creationId xmlns:a16="http://schemas.microsoft.com/office/drawing/2014/main" id="{1B5060DB-339D-C34E-8749-662D452D71FC}"/>
+                </a:ext>
+              </a:extLst>
+            </p:cNvPr>
+            <p:cNvSpPr/>
+            <p:nvPr/>
+          </p:nvSpPr>
+          <p:spPr>
+            <a:xfrm>
+              <a:off x="3175587" y="4367816"/>
+              <a:ext cx="2459668" cy="1474885"/>
+            </a:xfrm>
+            <a:prstGeom prst="arc">
+              <a:avLst>
+                <a:gd name="adj1" fmla="val 13528787"/>
+                <a:gd name="adj2" fmla="val 18839079"/>
+              </a:avLst>
+            </a:prstGeom>
+            <a:ln w="22225">
+              <a:solidFill>
+                <a:schemeClr val="tx1"/>
+              </a:solidFill>
+            </a:ln>
+          </p:spPr>
+          <p:style>
+            <a:lnRef idx="1">
+              <a:schemeClr val="accent1"/>
+            </a:lnRef>
+            <a:fillRef idx="0">
+              <a:schemeClr val="accent1"/>
+            </a:fillRef>
+            <a:effectRef idx="0">
+              <a:schemeClr val="accent1"/>
+            </a:effectRef>
+            <a:fontRef idx="minor">
+              <a:schemeClr val="tx1"/>
+            </a:fontRef>
+          </p:style>
+          <p:txBody>
+            <a:bodyPr rtlCol="0" anchor="ctr"/>
+            <a:lstStyle/>
+            <a:p>
+              <a:pPr algn="ctr"/>
+              <a:endParaRPr lang="en-US">
+                <a:latin typeface="Arial" panose="020B0604020202020204" pitchFamily="34" charset="0"/>
+                <a:cs typeface="Arial" panose="020B0604020202020204" pitchFamily="34" charset="0"/>
+              </a:endParaRPr>
+            </a:p>
+          </p:txBody>
+        </p:sp>
+        <p:sp>
+          <p:nvSpPr>
+            <p:cNvPr id="48" name="Arc 47">
+              <a:extLst>
+                <a:ext uri="{FF2B5EF4-FFF2-40B4-BE49-F238E27FC236}">
+                  <a16:creationId xmlns:a16="http://schemas.microsoft.com/office/drawing/2014/main" id="{130B877B-A5D6-EE49-939D-1E8172B12322}"/>
+                </a:ext>
+              </a:extLst>
+            </p:cNvPr>
+            <p:cNvSpPr/>
+            <p:nvPr/>
+          </p:nvSpPr>
+          <p:spPr>
+            <a:xfrm>
+              <a:off x="1988279" y="1701771"/>
+              <a:ext cx="4846728" cy="2906233"/>
+            </a:xfrm>
+            <a:prstGeom prst="arc">
+              <a:avLst>
+                <a:gd name="adj1" fmla="val 13340551"/>
+                <a:gd name="adj2" fmla="val 19175026"/>
+              </a:avLst>
+            </a:prstGeom>
+            <a:ln w="22225">
+              <a:solidFill>
+                <a:schemeClr val="tx1"/>
+              </a:solidFill>
+              <a:prstDash val="lgDash"/>
+            </a:ln>
+          </p:spPr>
+          <p:style>
+            <a:lnRef idx="1">
+              <a:schemeClr val="accent1"/>
+            </a:lnRef>
+            <a:fillRef idx="0">
+              <a:schemeClr val="accent1"/>
+            </a:fillRef>
+            <a:effectRef idx="0">
+              <a:schemeClr val="accent1"/>
+            </a:effectRef>
+            <a:fontRef idx="minor">
+              <a:schemeClr val="tx1"/>
+            </a:fontRef>
+          </p:style>
+          <p:txBody>
+            <a:bodyPr rtlCol="0" anchor="ctr"/>
+            <a:lstStyle/>
+            <a:p>
+              <a:pPr algn="ctr"/>
+              <a:endParaRPr lang="en-US"/>
+            </a:p>
+          </p:txBody>
+        </p:sp>
+        <p:sp>
+          <p:nvSpPr>
+            <p:cNvPr id="49" name="Arc 48">
+              <a:extLst>
+                <a:ext uri="{FF2B5EF4-FFF2-40B4-BE49-F238E27FC236}">
+                  <a16:creationId xmlns:a16="http://schemas.microsoft.com/office/drawing/2014/main" id="{4D5D097C-CB76-DC4D-9222-32F20677FE78}"/>
+                </a:ext>
+              </a:extLst>
+            </p:cNvPr>
+            <p:cNvSpPr/>
+            <p:nvPr/>
+          </p:nvSpPr>
+          <p:spPr>
+            <a:xfrm>
+              <a:off x="2083974" y="2045560"/>
+              <a:ext cx="4667700" cy="2798882"/>
+            </a:xfrm>
+            <a:prstGeom prst="arc">
+              <a:avLst>
+                <a:gd name="adj1" fmla="val 13413600"/>
+                <a:gd name="adj2" fmla="val 19076388"/>
+              </a:avLst>
+            </a:prstGeom>
+            <a:ln w="22225">
+              <a:solidFill>
+                <a:schemeClr val="tx1"/>
+              </a:solidFill>
+              <a:prstDash val="lgDash"/>
+            </a:ln>
+          </p:spPr>
+          <p:style>
+            <a:lnRef idx="1">
+              <a:schemeClr val="accent1"/>
+            </a:lnRef>
+            <a:fillRef idx="0">
+              <a:schemeClr val="accent1"/>
+            </a:fillRef>
+            <a:effectRef idx="0">
+              <a:schemeClr val="accent1"/>
+            </a:effectRef>
+            <a:fontRef idx="minor">
+              <a:schemeClr val="tx1"/>
+            </a:fontRef>
+          </p:style>
+          <p:txBody>
+            <a:bodyPr rtlCol="0" anchor="ctr"/>
+            <a:lstStyle/>
+            <a:p>
+              <a:pPr algn="ctr"/>
+              <a:endParaRPr lang="en-US"/>
+            </a:p>
+          </p:txBody>
+        </p:sp>
+        <p:sp>
+          <p:nvSpPr>
+            <p:cNvPr id="56" name="Freeform 55">
+              <a:extLst>
+                <a:ext uri="{FF2B5EF4-FFF2-40B4-BE49-F238E27FC236}">
+                  <a16:creationId xmlns:a16="http://schemas.microsoft.com/office/drawing/2014/main" id="{8C272EB6-F909-8645-A052-A19536F4ABEE}"/>
+                </a:ext>
+              </a:extLst>
+            </p:cNvPr>
+            <p:cNvSpPr/>
+            <p:nvPr/>
+          </p:nvSpPr>
+          <p:spPr>
+            <a:xfrm>
+              <a:off x="2871788" y="946505"/>
+              <a:ext cx="3200400" cy="371475"/>
+            </a:xfrm>
+            <a:custGeom>
+              <a:avLst/>
+              <a:gdLst>
+                <a:gd name="connsiteX0" fmla="*/ 0 w 3200400"/>
+                <a:gd name="connsiteY0" fmla="*/ 242887 h 371475"/>
+                <a:gd name="connsiteX1" fmla="*/ 228600 w 3200400"/>
+                <a:gd name="connsiteY1" fmla="*/ 200025 h 371475"/>
+                <a:gd name="connsiteX2" fmla="*/ 557212 w 3200400"/>
+                <a:gd name="connsiteY2" fmla="*/ 114300 h 371475"/>
+                <a:gd name="connsiteX3" fmla="*/ 957262 w 3200400"/>
+                <a:gd name="connsiteY3" fmla="*/ 42862 h 371475"/>
+                <a:gd name="connsiteX4" fmla="*/ 1257300 w 3200400"/>
+                <a:gd name="connsiteY4" fmla="*/ 14287 h 371475"/>
+                <a:gd name="connsiteX5" fmla="*/ 1485900 w 3200400"/>
+                <a:gd name="connsiteY5" fmla="*/ 0 h 371475"/>
+                <a:gd name="connsiteX6" fmla="*/ 1900237 w 3200400"/>
+                <a:gd name="connsiteY6" fmla="*/ 28575 h 371475"/>
+                <a:gd name="connsiteX7" fmla="*/ 2243137 w 3200400"/>
+                <a:gd name="connsiteY7" fmla="*/ 57150 h 371475"/>
+                <a:gd name="connsiteX8" fmla="*/ 2586037 w 3200400"/>
+                <a:gd name="connsiteY8" fmla="*/ 114300 h 371475"/>
+                <a:gd name="connsiteX9" fmla="*/ 2871787 w 3200400"/>
+                <a:gd name="connsiteY9" fmla="*/ 200025 h 371475"/>
+                <a:gd name="connsiteX10" fmla="*/ 3128962 w 3200400"/>
+                <a:gd name="connsiteY10" fmla="*/ 285750 h 371475"/>
+                <a:gd name="connsiteX11" fmla="*/ 3200400 w 3200400"/>
+                <a:gd name="connsiteY11" fmla="*/ 314325 h 371475"/>
+                <a:gd name="connsiteX12" fmla="*/ 3171825 w 3200400"/>
+                <a:gd name="connsiteY12" fmla="*/ 371475 h 371475"/>
+                <a:gd name="connsiteX13" fmla="*/ 2943225 w 3200400"/>
+                <a:gd name="connsiteY13" fmla="*/ 271462 h 371475"/>
+                <a:gd name="connsiteX14" fmla="*/ 2571750 w 3200400"/>
+                <a:gd name="connsiteY14" fmla="*/ 171450 h 371475"/>
+                <a:gd name="connsiteX15" fmla="*/ 2200275 w 3200400"/>
+                <a:gd name="connsiteY15" fmla="*/ 114300 h 371475"/>
+                <a:gd name="connsiteX16" fmla="*/ 1785937 w 3200400"/>
+                <a:gd name="connsiteY16" fmla="*/ 57150 h 371475"/>
+                <a:gd name="connsiteX17" fmla="*/ 1328737 w 3200400"/>
+                <a:gd name="connsiteY17" fmla="*/ 71437 h 371475"/>
+                <a:gd name="connsiteX18" fmla="*/ 928687 w 3200400"/>
+                <a:gd name="connsiteY18" fmla="*/ 100012 h 371475"/>
+                <a:gd name="connsiteX19" fmla="*/ 571500 w 3200400"/>
+                <a:gd name="connsiteY19" fmla="*/ 157162 h 371475"/>
+                <a:gd name="connsiteX20" fmla="*/ 271462 w 3200400"/>
+                <a:gd name="connsiteY20" fmla="*/ 257175 h 371475"/>
+                <a:gd name="connsiteX21" fmla="*/ 42862 w 3200400"/>
+                <a:gd name="connsiteY21" fmla="*/ 328612 h 371475"/>
+                <a:gd name="connsiteX22" fmla="*/ 0 w 3200400"/>
+                <a:gd name="connsiteY22" fmla="*/ 242887 h 371475"/>
+              </a:gdLst>
+              <a:ahLst/>
+              <a:cxnLst>
+                <a:cxn ang="0">
+                  <a:pos x="connsiteX0" y="connsiteY0"/>
+                </a:cxn>
+                <a:cxn ang="0">
+                  <a:pos x="connsiteX1" y="connsiteY1"/>
+                </a:cxn>
+                <a:cxn ang="0">
+                  <a:pos x="connsiteX2" y="connsiteY2"/>
+                </a:cxn>
+                <a:cxn ang="0">
+                  <a:pos x="connsiteX3" y="connsiteY3"/>
+                </a:cxn>
+                <a:cxn ang="0">
+                  <a:pos x="connsiteX4" y="connsiteY4"/>
+                </a:cxn>
+                <a:cxn ang="0">
+                  <a:pos x="connsiteX5" y="connsiteY5"/>
+                </a:cxn>
+                <a:cxn ang="0">
+                  <a:pos x="connsiteX6" y="connsiteY6"/>
+                </a:cxn>
+                <a:cxn ang="0">
+                  <a:pos x="connsiteX7" y="connsiteY7"/>
+                </a:cxn>
+                <a:cxn ang="0">
+                  <a:pos x="connsiteX8" y="connsiteY8"/>
+                </a:cxn>
+                <a:cxn ang="0">
+                  <a:pos x="connsiteX9" y="connsiteY9"/>
+                </a:cxn>
+                <a:cxn ang="0">
+                  <a:pos x="connsiteX10" y="connsiteY10"/>
+                </a:cxn>
+                <a:cxn ang="0">
+                  <a:pos x="connsiteX11" y="connsiteY11"/>
+                </a:cxn>
+                <a:cxn ang="0">
+                  <a:pos x="connsiteX12" y="connsiteY12"/>
+                </a:cxn>
+                <a:cxn ang="0">
+                  <a:pos x="connsiteX13" y="connsiteY13"/>
+                </a:cxn>
+                <a:cxn ang="0">
+                  <a:pos x="connsiteX14" y="connsiteY14"/>
+                </a:cxn>
+                <a:cxn ang="0">
+                  <a:pos x="connsiteX15" y="connsiteY15"/>
+                </a:cxn>
+                <a:cxn ang="0">
+                  <a:pos x="connsiteX16" y="connsiteY16"/>
+                </a:cxn>
+                <a:cxn ang="0">
+                  <a:pos x="connsiteX17" y="connsiteY17"/>
+                </a:cxn>
+                <a:cxn ang="0">
+                  <a:pos x="connsiteX18" y="connsiteY18"/>
+                </a:cxn>
+                <a:cxn ang="0">
+                  <a:pos x="connsiteX19" y="connsiteY19"/>
+                </a:cxn>
+                <a:cxn ang="0">
+                  <a:pos x="connsiteX20" y="connsiteY20"/>
+                </a:cxn>
+                <a:cxn ang="0">
+                  <a:pos x="connsiteX21" y="connsiteY21"/>
+                </a:cxn>
+                <a:cxn ang="0">
+                  <a:pos x="connsiteX22" y="connsiteY22"/>
+                </a:cxn>
+              </a:cxnLst>
+              <a:rect l="l" t="t" r="r" b="b"/>
+              <a:pathLst>
+                <a:path w="3200400" h="371475">
+                  <a:moveTo>
+                    <a:pt x="0" y="242887"/>
+                  </a:moveTo>
+                  <a:lnTo>
+                    <a:pt x="228600" y="200025"/>
+                  </a:lnTo>
+                  <a:lnTo>
+                    <a:pt x="557212" y="114300"/>
+                  </a:lnTo>
+                  <a:lnTo>
+                    <a:pt x="957262" y="42862"/>
+                  </a:lnTo>
+                  <a:lnTo>
+                    <a:pt x="1257300" y="14287"/>
+                  </a:lnTo>
+                  <a:lnTo>
+                    <a:pt x="1485900" y="0"/>
+                  </a:lnTo>
+                  <a:lnTo>
+                    <a:pt x="1900237" y="28575"/>
+                  </a:lnTo>
+                  <a:lnTo>
+                    <a:pt x="2243137" y="57150"/>
+                  </a:lnTo>
+                  <a:lnTo>
+                    <a:pt x="2586037" y="114300"/>
+                  </a:lnTo>
+                  <a:lnTo>
+                    <a:pt x="2871787" y="200025"/>
+                  </a:lnTo>
+                  <a:lnTo>
+                    <a:pt x="3128962" y="285750"/>
+                  </a:lnTo>
+                  <a:lnTo>
+                    <a:pt x="3200400" y="314325"/>
+                  </a:lnTo>
+                  <a:lnTo>
+                    <a:pt x="3171825" y="371475"/>
+                  </a:lnTo>
+                  <a:lnTo>
+                    <a:pt x="2943225" y="271462"/>
+                  </a:lnTo>
+                  <a:lnTo>
+                    <a:pt x="2571750" y="171450"/>
+                  </a:lnTo>
+                  <a:lnTo>
+                    <a:pt x="2200275" y="114300"/>
+                  </a:lnTo>
+                  <a:lnTo>
+                    <a:pt x="1785937" y="57150"/>
+                  </a:lnTo>
+                  <a:lnTo>
+                    <a:pt x="1328737" y="71437"/>
+                  </a:lnTo>
+                  <a:lnTo>
+                    <a:pt x="928687" y="100012"/>
+                  </a:lnTo>
+                  <a:lnTo>
+                    <a:pt x="571500" y="157162"/>
+                  </a:lnTo>
+                  <a:lnTo>
+                    <a:pt x="271462" y="257175"/>
+                  </a:lnTo>
+                  <a:lnTo>
+                    <a:pt x="42862" y="328612"/>
+                  </a:lnTo>
+                  <a:lnTo>
+                    <a:pt x="0" y="242887"/>
+                  </a:lnTo>
+                  <a:close/>
+                </a:path>
+              </a:pathLst>
+            </a:custGeom>
+            <a:solidFill>
+              <a:schemeClr val="tx1"/>
+            </a:solidFill>
+            <a:ln>
+              <a:solidFill>
+                <a:schemeClr val="tx1"/>
+              </a:solidFill>
+            </a:ln>
+          </p:spPr>
+          <p:style>
+            <a:lnRef idx="2">
+              <a:schemeClr val="accent1">
+                <a:shade val="50000"/>
+              </a:schemeClr>
+            </a:lnRef>
+            <a:fillRef idx="1">
+              <a:schemeClr val="accent1"/>
+            </a:fillRef>
+            <a:effectRef idx="0">
+              <a:schemeClr val="accent1"/>
+            </a:effectRef>
+            <a:fontRef idx="minor">
+              <a:schemeClr val="lt1"/>
+            </a:fontRef>
+          </p:style>
+          <p:txBody>
+            <a:bodyPr rtlCol="0" anchor="ctr"/>
+            <a:lstStyle/>
+            <a:p>
+              <a:pPr algn="ctr"/>
+              <a:endParaRPr lang="en-US"/>
+            </a:p>
+          </p:txBody>
+        </p:sp>
+      </p:grpSp>
     </p:spTree>
     <p:extLst>
       <p:ext uri="{BB962C8B-B14F-4D97-AF65-F5344CB8AC3E}">
@@ -5464,422 +7475,1433 @@
           </a:p>
         </p:txBody>
       </p:sp>
-      <p:sp>
-        <p:nvSpPr>
-          <p:cNvPr id="2" name="Arc 1">
+      <p:grpSp>
+        <p:nvGrpSpPr>
+          <p:cNvPr id="3" name="Group 2">
             <a:extLst>
               <a:ext uri="{FF2B5EF4-FFF2-40B4-BE49-F238E27FC236}">
-                <a16:creationId xmlns:a16="http://schemas.microsoft.com/office/drawing/2014/main" id="{136B254B-8EEE-284E-A3CE-903622782DA0}"/>
+                <a16:creationId xmlns:a16="http://schemas.microsoft.com/office/drawing/2014/main" id="{25E2EB52-590D-DB43-9CA9-78838B23D0B7}"/>
               </a:ext>
             </a:extLst>
           </p:cNvPr>
-          <p:cNvSpPr/>
+          <p:cNvGrpSpPr/>
           <p:nvPr/>
-        </p:nvSpPr>
-        <p:spPr>
+        </p:nvGrpSpPr>
+        <p:grpSpPr>
           <a:xfrm>
-            <a:off x="1541722" y="952895"/>
-            <a:ext cx="5709684" cy="3423685"/>
+            <a:off x="1541722" y="946505"/>
+            <a:ext cx="5713225" cy="5615159"/>
+            <a:chOff x="1541722" y="946505"/>
+            <a:chExt cx="5713225" cy="5615159"/>
           </a:xfrm>
-          <a:prstGeom prst="arc">
-            <a:avLst>
-              <a:gd name="adj1" fmla="val 13413600"/>
-              <a:gd name="adj2" fmla="val 19175026"/>
-            </a:avLst>
-          </a:prstGeom>
-          <a:ln w="22225">
+        </p:grpSpPr>
+        <p:sp>
+          <p:nvSpPr>
+            <p:cNvPr id="8" name="Freeform 7">
+              <a:extLst>
+                <a:ext uri="{FF2B5EF4-FFF2-40B4-BE49-F238E27FC236}">
+                  <a16:creationId xmlns:a16="http://schemas.microsoft.com/office/drawing/2014/main" id="{4DC3DA04-9DC4-1D47-B174-22C084216945}"/>
+                </a:ext>
+              </a:extLst>
+            </p:cNvPr>
+            <p:cNvSpPr/>
+            <p:nvPr/>
+          </p:nvSpPr>
+          <p:spPr>
+            <a:xfrm>
+              <a:off x="3171825" y="2043113"/>
+              <a:ext cx="2543175" cy="2443162"/>
+            </a:xfrm>
+            <a:custGeom>
+              <a:avLst/>
+              <a:gdLst>
+                <a:gd name="connsiteX0" fmla="*/ 0 w 2543175"/>
+                <a:gd name="connsiteY0" fmla="*/ 228600 h 2443162"/>
+                <a:gd name="connsiteX1" fmla="*/ 614363 w 2543175"/>
+                <a:gd name="connsiteY1" fmla="*/ 2428875 h 2443162"/>
+                <a:gd name="connsiteX2" fmla="*/ 857250 w 2543175"/>
+                <a:gd name="connsiteY2" fmla="*/ 2371725 h 2443162"/>
+                <a:gd name="connsiteX3" fmla="*/ 1171575 w 2543175"/>
+                <a:gd name="connsiteY3" fmla="*/ 2328862 h 2443162"/>
+                <a:gd name="connsiteX4" fmla="*/ 1428750 w 2543175"/>
+                <a:gd name="connsiteY4" fmla="*/ 2328862 h 2443162"/>
+                <a:gd name="connsiteX5" fmla="*/ 1657350 w 2543175"/>
+                <a:gd name="connsiteY5" fmla="*/ 2371725 h 2443162"/>
+                <a:gd name="connsiteX6" fmla="*/ 1871663 w 2543175"/>
+                <a:gd name="connsiteY6" fmla="*/ 2443162 h 2443162"/>
+                <a:gd name="connsiteX7" fmla="*/ 2543175 w 2543175"/>
+                <a:gd name="connsiteY7" fmla="*/ 271462 h 2443162"/>
+                <a:gd name="connsiteX8" fmla="*/ 2200275 w 2543175"/>
+                <a:gd name="connsiteY8" fmla="*/ 157162 h 2443162"/>
+                <a:gd name="connsiteX9" fmla="*/ 1957388 w 2543175"/>
+                <a:gd name="connsiteY9" fmla="*/ 71437 h 2443162"/>
+                <a:gd name="connsiteX10" fmla="*/ 1685925 w 2543175"/>
+                <a:gd name="connsiteY10" fmla="*/ 28575 h 2443162"/>
+                <a:gd name="connsiteX11" fmla="*/ 1443038 w 2543175"/>
+                <a:gd name="connsiteY11" fmla="*/ 14287 h 2443162"/>
+                <a:gd name="connsiteX12" fmla="*/ 1114425 w 2543175"/>
+                <a:gd name="connsiteY12" fmla="*/ 0 h 2443162"/>
+                <a:gd name="connsiteX13" fmla="*/ 771525 w 2543175"/>
+                <a:gd name="connsiteY13" fmla="*/ 42862 h 2443162"/>
+                <a:gd name="connsiteX14" fmla="*/ 442913 w 2543175"/>
+                <a:gd name="connsiteY14" fmla="*/ 100012 h 2443162"/>
+                <a:gd name="connsiteX15" fmla="*/ 185738 w 2543175"/>
+                <a:gd name="connsiteY15" fmla="*/ 185737 h 2443162"/>
+                <a:gd name="connsiteX16" fmla="*/ 0 w 2543175"/>
+                <a:gd name="connsiteY16" fmla="*/ 228600 h 2443162"/>
+              </a:gdLst>
+              <a:ahLst/>
+              <a:cxnLst>
+                <a:cxn ang="0">
+                  <a:pos x="connsiteX0" y="connsiteY0"/>
+                </a:cxn>
+                <a:cxn ang="0">
+                  <a:pos x="connsiteX1" y="connsiteY1"/>
+                </a:cxn>
+                <a:cxn ang="0">
+                  <a:pos x="connsiteX2" y="connsiteY2"/>
+                </a:cxn>
+                <a:cxn ang="0">
+                  <a:pos x="connsiteX3" y="connsiteY3"/>
+                </a:cxn>
+                <a:cxn ang="0">
+                  <a:pos x="connsiteX4" y="connsiteY4"/>
+                </a:cxn>
+                <a:cxn ang="0">
+                  <a:pos x="connsiteX5" y="connsiteY5"/>
+                </a:cxn>
+                <a:cxn ang="0">
+                  <a:pos x="connsiteX6" y="connsiteY6"/>
+                </a:cxn>
+                <a:cxn ang="0">
+                  <a:pos x="connsiteX7" y="connsiteY7"/>
+                </a:cxn>
+                <a:cxn ang="0">
+                  <a:pos x="connsiteX8" y="connsiteY8"/>
+                </a:cxn>
+                <a:cxn ang="0">
+                  <a:pos x="connsiteX9" y="connsiteY9"/>
+                </a:cxn>
+                <a:cxn ang="0">
+                  <a:pos x="connsiteX10" y="connsiteY10"/>
+                </a:cxn>
+                <a:cxn ang="0">
+                  <a:pos x="connsiteX11" y="connsiteY11"/>
+                </a:cxn>
+                <a:cxn ang="0">
+                  <a:pos x="connsiteX12" y="connsiteY12"/>
+                </a:cxn>
+                <a:cxn ang="0">
+                  <a:pos x="connsiteX13" y="connsiteY13"/>
+                </a:cxn>
+                <a:cxn ang="0">
+                  <a:pos x="connsiteX14" y="connsiteY14"/>
+                </a:cxn>
+                <a:cxn ang="0">
+                  <a:pos x="connsiteX15" y="connsiteY15"/>
+                </a:cxn>
+                <a:cxn ang="0">
+                  <a:pos x="connsiteX16" y="connsiteY16"/>
+                </a:cxn>
+              </a:cxnLst>
+              <a:rect l="l" t="t" r="r" b="b"/>
+              <a:pathLst>
+                <a:path w="2543175" h="2443162">
+                  <a:moveTo>
+                    <a:pt x="0" y="228600"/>
+                  </a:moveTo>
+                  <a:lnTo>
+                    <a:pt x="614363" y="2428875"/>
+                  </a:lnTo>
+                  <a:lnTo>
+                    <a:pt x="857250" y="2371725"/>
+                  </a:lnTo>
+                  <a:lnTo>
+                    <a:pt x="1171575" y="2328862"/>
+                  </a:lnTo>
+                  <a:lnTo>
+                    <a:pt x="1428750" y="2328862"/>
+                  </a:lnTo>
+                  <a:lnTo>
+                    <a:pt x="1657350" y="2371725"/>
+                  </a:lnTo>
+                  <a:lnTo>
+                    <a:pt x="1871663" y="2443162"/>
+                  </a:lnTo>
+                  <a:lnTo>
+                    <a:pt x="2543175" y="271462"/>
+                  </a:lnTo>
+                  <a:lnTo>
+                    <a:pt x="2200275" y="157162"/>
+                  </a:lnTo>
+                  <a:lnTo>
+                    <a:pt x="1957388" y="71437"/>
+                  </a:lnTo>
+                  <a:lnTo>
+                    <a:pt x="1685925" y="28575"/>
+                  </a:lnTo>
+                  <a:lnTo>
+                    <a:pt x="1443038" y="14287"/>
+                  </a:lnTo>
+                  <a:lnTo>
+                    <a:pt x="1114425" y="0"/>
+                  </a:lnTo>
+                  <a:lnTo>
+                    <a:pt x="771525" y="42862"/>
+                  </a:lnTo>
+                  <a:lnTo>
+                    <a:pt x="442913" y="100012"/>
+                  </a:lnTo>
+                  <a:lnTo>
+                    <a:pt x="185738" y="185737"/>
+                  </a:lnTo>
+                  <a:lnTo>
+                    <a:pt x="0" y="228600"/>
+                  </a:lnTo>
+                  <a:close/>
+                </a:path>
+              </a:pathLst>
+            </a:custGeom>
+            <a:pattFill prst="wdDnDiag">
+              <a:fgClr>
+                <a:schemeClr val="tx1"/>
+              </a:fgClr>
+              <a:bgClr>
+                <a:schemeClr val="bg1"/>
+              </a:bgClr>
+            </a:pattFill>
+            <a:ln>
+              <a:noFill/>
+            </a:ln>
+          </p:spPr>
+          <p:style>
+            <a:lnRef idx="2">
+              <a:schemeClr val="accent1">
+                <a:shade val="50000"/>
+              </a:schemeClr>
+            </a:lnRef>
+            <a:fillRef idx="1">
+              <a:schemeClr val="accent1"/>
+            </a:fillRef>
+            <a:effectRef idx="0">
+              <a:schemeClr val="accent1"/>
+            </a:effectRef>
+            <a:fontRef idx="minor">
+              <a:schemeClr val="lt1"/>
+            </a:fontRef>
+          </p:style>
+          <p:txBody>
+            <a:bodyPr rtlCol="0" anchor="ctr"/>
+            <a:lstStyle/>
+            <a:p>
+              <a:pPr algn="ctr"/>
+              <a:endParaRPr lang="en-US"/>
+            </a:p>
+          </p:txBody>
+        </p:sp>
+        <p:sp>
+          <p:nvSpPr>
+            <p:cNvPr id="5" name="Freeform 4">
+              <a:extLst>
+                <a:ext uri="{FF2B5EF4-FFF2-40B4-BE49-F238E27FC236}">
+                  <a16:creationId xmlns:a16="http://schemas.microsoft.com/office/drawing/2014/main" id="{09B3DABF-DE4C-624F-B164-B763A8E2BA83}"/>
+                </a:ext>
+              </a:extLst>
+            </p:cNvPr>
+            <p:cNvSpPr/>
+            <p:nvPr/>
+          </p:nvSpPr>
+          <p:spPr>
+            <a:xfrm>
+              <a:off x="4141694" y="5647765"/>
+              <a:ext cx="494852" cy="882127"/>
+            </a:xfrm>
+            <a:custGeom>
+              <a:avLst/>
+              <a:gdLst>
+                <a:gd name="connsiteX0" fmla="*/ 0 w 494852"/>
+                <a:gd name="connsiteY0" fmla="*/ 10757 h 882127"/>
+                <a:gd name="connsiteX1" fmla="*/ 225911 w 494852"/>
+                <a:gd name="connsiteY1" fmla="*/ 882127 h 882127"/>
+                <a:gd name="connsiteX2" fmla="*/ 494852 w 494852"/>
+                <a:gd name="connsiteY2" fmla="*/ 32273 h 882127"/>
+                <a:gd name="connsiteX3" fmla="*/ 333487 w 494852"/>
+                <a:gd name="connsiteY3" fmla="*/ 10757 h 882127"/>
+                <a:gd name="connsiteX4" fmla="*/ 172122 w 494852"/>
+                <a:gd name="connsiteY4" fmla="*/ 0 h 882127"/>
+                <a:gd name="connsiteX5" fmla="*/ 64546 w 494852"/>
+                <a:gd name="connsiteY5" fmla="*/ 0 h 882127"/>
+                <a:gd name="connsiteX6" fmla="*/ 0 w 494852"/>
+                <a:gd name="connsiteY6" fmla="*/ 10757 h 882127"/>
+              </a:gdLst>
+              <a:ahLst/>
+              <a:cxnLst>
+                <a:cxn ang="0">
+                  <a:pos x="connsiteX0" y="connsiteY0"/>
+                </a:cxn>
+                <a:cxn ang="0">
+                  <a:pos x="connsiteX1" y="connsiteY1"/>
+                </a:cxn>
+                <a:cxn ang="0">
+                  <a:pos x="connsiteX2" y="connsiteY2"/>
+                </a:cxn>
+                <a:cxn ang="0">
+                  <a:pos x="connsiteX3" y="connsiteY3"/>
+                </a:cxn>
+                <a:cxn ang="0">
+                  <a:pos x="connsiteX4" y="connsiteY4"/>
+                </a:cxn>
+                <a:cxn ang="0">
+                  <a:pos x="connsiteX5" y="connsiteY5"/>
+                </a:cxn>
+                <a:cxn ang="0">
+                  <a:pos x="connsiteX6" y="connsiteY6"/>
+                </a:cxn>
+              </a:cxnLst>
+              <a:rect l="l" t="t" r="r" b="b"/>
+              <a:pathLst>
+                <a:path w="494852" h="882127">
+                  <a:moveTo>
+                    <a:pt x="0" y="10757"/>
+                  </a:moveTo>
+                  <a:lnTo>
+                    <a:pt x="225911" y="882127"/>
+                  </a:lnTo>
+                  <a:lnTo>
+                    <a:pt x="494852" y="32273"/>
+                  </a:lnTo>
+                  <a:lnTo>
+                    <a:pt x="333487" y="10757"/>
+                  </a:lnTo>
+                  <a:lnTo>
+                    <a:pt x="172122" y="0"/>
+                  </a:lnTo>
+                  <a:lnTo>
+                    <a:pt x="64546" y="0"/>
+                  </a:lnTo>
+                  <a:lnTo>
+                    <a:pt x="0" y="10757"/>
+                  </a:lnTo>
+                  <a:close/>
+                </a:path>
+              </a:pathLst>
+            </a:custGeom>
             <a:solidFill>
               <a:schemeClr val="tx1"/>
             </a:solidFill>
-          </a:ln>
-        </p:spPr>
-        <p:style>
-          <a:lnRef idx="1">
-            <a:schemeClr val="accent1"/>
-          </a:lnRef>
-          <a:fillRef idx="0">
-            <a:schemeClr val="accent1"/>
-          </a:fillRef>
-          <a:effectRef idx="0">
-            <a:schemeClr val="accent1"/>
-          </a:effectRef>
-          <a:fontRef idx="minor">
-            <a:schemeClr val="tx1"/>
-          </a:fontRef>
-        </p:style>
-        <p:txBody>
-          <a:bodyPr rtlCol="0" anchor="ctr"/>
-          <a:lstStyle/>
-          <a:p>
-            <a:pPr algn="ctr"/>
-            <a:endParaRPr lang="en-US">
-              <a:latin typeface="Arial" panose="020B0604020202020204" pitchFamily="34" charset="0"/>
-              <a:cs typeface="Arial" panose="020B0604020202020204" pitchFamily="34" charset="0"/>
-            </a:endParaRPr>
-          </a:p>
-        </p:txBody>
-      </p:sp>
-      <p:cxnSp>
-        <p:nvCxnSpPr>
-          <p:cNvPr id="4" name="Straight Connector 3">
-            <a:extLst>
-              <a:ext uri="{FF2B5EF4-FFF2-40B4-BE49-F238E27FC236}">
-                <a16:creationId xmlns:a16="http://schemas.microsoft.com/office/drawing/2014/main" id="{CF3A6183-4B57-8D4B-B882-790B13177568}"/>
-              </a:ext>
-            </a:extLst>
-          </p:cNvPr>
-          <p:cNvCxnSpPr>
-            <a:stCxn id="2" idx="0"/>
-          </p:cNvCxnSpPr>
-          <p:nvPr/>
-        </p:nvCxnSpPr>
-        <p:spPr>
-          <a:xfrm>
-            <a:off x="2873871" y="1216723"/>
-            <a:ext cx="1496110" cy="5339530"/>
-          </a:xfrm>
-          <a:prstGeom prst="line">
-            <a:avLst/>
-          </a:prstGeom>
-          <a:ln w="22225">
+            <a:ln w="19050">
+              <a:solidFill>
+                <a:schemeClr val="tx1"/>
+              </a:solidFill>
+            </a:ln>
+          </p:spPr>
+          <p:style>
+            <a:lnRef idx="2">
+              <a:schemeClr val="accent1">
+                <a:shade val="50000"/>
+              </a:schemeClr>
+            </a:lnRef>
+            <a:fillRef idx="1">
+              <a:schemeClr val="accent1"/>
+            </a:fillRef>
+            <a:effectRef idx="0">
+              <a:schemeClr val="accent1"/>
+            </a:effectRef>
+            <a:fontRef idx="minor">
+              <a:schemeClr val="lt1"/>
+            </a:fontRef>
+          </p:style>
+          <p:txBody>
+            <a:bodyPr rtlCol="0" anchor="ctr"/>
+            <a:lstStyle/>
+            <a:p>
+              <a:pPr algn="ctr"/>
+              <a:endParaRPr lang="en-US"/>
+            </a:p>
+          </p:txBody>
+        </p:sp>
+        <p:sp>
+          <p:nvSpPr>
+            <p:cNvPr id="6" name="Freeform 5">
+              <a:extLst>
+                <a:ext uri="{FF2B5EF4-FFF2-40B4-BE49-F238E27FC236}">
+                  <a16:creationId xmlns:a16="http://schemas.microsoft.com/office/drawing/2014/main" id="{97025EB0-CE4D-7E4C-AC65-38C469D45A69}"/>
+                </a:ext>
+              </a:extLst>
+            </p:cNvPr>
+            <p:cNvSpPr/>
+            <p:nvPr/>
+          </p:nvSpPr>
+          <p:spPr>
+            <a:xfrm>
+              <a:off x="3808207" y="4378362"/>
+              <a:ext cx="1204857" cy="1312433"/>
+            </a:xfrm>
+            <a:custGeom>
+              <a:avLst/>
+              <a:gdLst>
+                <a:gd name="connsiteX0" fmla="*/ 0 w 1204857"/>
+                <a:gd name="connsiteY0" fmla="*/ 96819 h 1312433"/>
+                <a:gd name="connsiteX1" fmla="*/ 311972 w 1204857"/>
+                <a:gd name="connsiteY1" fmla="*/ 1280160 h 1312433"/>
+                <a:gd name="connsiteX2" fmla="*/ 451821 w 1204857"/>
+                <a:gd name="connsiteY2" fmla="*/ 1258645 h 1312433"/>
+                <a:gd name="connsiteX3" fmla="*/ 623944 w 1204857"/>
+                <a:gd name="connsiteY3" fmla="*/ 1269403 h 1312433"/>
+                <a:gd name="connsiteX4" fmla="*/ 774551 w 1204857"/>
+                <a:gd name="connsiteY4" fmla="*/ 1280160 h 1312433"/>
+                <a:gd name="connsiteX5" fmla="*/ 774551 w 1204857"/>
+                <a:gd name="connsiteY5" fmla="*/ 1280160 h 1312433"/>
+                <a:gd name="connsiteX6" fmla="*/ 774551 w 1204857"/>
+                <a:gd name="connsiteY6" fmla="*/ 1280160 h 1312433"/>
+                <a:gd name="connsiteX7" fmla="*/ 860612 w 1204857"/>
+                <a:gd name="connsiteY7" fmla="*/ 1312433 h 1312433"/>
+                <a:gd name="connsiteX8" fmla="*/ 1204857 w 1204857"/>
+                <a:gd name="connsiteY8" fmla="*/ 107577 h 1312433"/>
+                <a:gd name="connsiteX9" fmla="*/ 1032734 w 1204857"/>
+                <a:gd name="connsiteY9" fmla="*/ 43031 h 1312433"/>
+                <a:gd name="connsiteX10" fmla="*/ 796066 w 1204857"/>
+                <a:gd name="connsiteY10" fmla="*/ 0 h 1312433"/>
+                <a:gd name="connsiteX11" fmla="*/ 591671 w 1204857"/>
+                <a:gd name="connsiteY11" fmla="*/ 0 h 1312433"/>
+                <a:gd name="connsiteX12" fmla="*/ 398033 w 1204857"/>
+                <a:gd name="connsiteY12" fmla="*/ 0 h 1312433"/>
+                <a:gd name="connsiteX13" fmla="*/ 161365 w 1204857"/>
+                <a:gd name="connsiteY13" fmla="*/ 53789 h 1312433"/>
+                <a:gd name="connsiteX14" fmla="*/ 0 w 1204857"/>
+                <a:gd name="connsiteY14" fmla="*/ 96819 h 1312433"/>
+              </a:gdLst>
+              <a:ahLst/>
+              <a:cxnLst>
+                <a:cxn ang="0">
+                  <a:pos x="connsiteX0" y="connsiteY0"/>
+                </a:cxn>
+                <a:cxn ang="0">
+                  <a:pos x="connsiteX1" y="connsiteY1"/>
+                </a:cxn>
+                <a:cxn ang="0">
+                  <a:pos x="connsiteX2" y="connsiteY2"/>
+                </a:cxn>
+                <a:cxn ang="0">
+                  <a:pos x="connsiteX3" y="connsiteY3"/>
+                </a:cxn>
+                <a:cxn ang="0">
+                  <a:pos x="connsiteX4" y="connsiteY4"/>
+                </a:cxn>
+                <a:cxn ang="0">
+                  <a:pos x="connsiteX5" y="connsiteY5"/>
+                </a:cxn>
+                <a:cxn ang="0">
+                  <a:pos x="connsiteX6" y="connsiteY6"/>
+                </a:cxn>
+                <a:cxn ang="0">
+                  <a:pos x="connsiteX7" y="connsiteY7"/>
+                </a:cxn>
+                <a:cxn ang="0">
+                  <a:pos x="connsiteX8" y="connsiteY8"/>
+                </a:cxn>
+                <a:cxn ang="0">
+                  <a:pos x="connsiteX9" y="connsiteY9"/>
+                </a:cxn>
+                <a:cxn ang="0">
+                  <a:pos x="connsiteX10" y="connsiteY10"/>
+                </a:cxn>
+                <a:cxn ang="0">
+                  <a:pos x="connsiteX11" y="connsiteY11"/>
+                </a:cxn>
+                <a:cxn ang="0">
+                  <a:pos x="connsiteX12" y="connsiteY12"/>
+                </a:cxn>
+                <a:cxn ang="0">
+                  <a:pos x="connsiteX13" y="connsiteY13"/>
+                </a:cxn>
+                <a:cxn ang="0">
+                  <a:pos x="connsiteX14" y="connsiteY14"/>
+                </a:cxn>
+              </a:cxnLst>
+              <a:rect l="l" t="t" r="r" b="b"/>
+              <a:pathLst>
+                <a:path w="1204857" h="1312433">
+                  <a:moveTo>
+                    <a:pt x="0" y="96819"/>
+                  </a:moveTo>
+                  <a:lnTo>
+                    <a:pt x="311972" y="1280160"/>
+                  </a:lnTo>
+                  <a:lnTo>
+                    <a:pt x="451821" y="1258645"/>
+                  </a:lnTo>
+                  <a:lnTo>
+                    <a:pt x="623944" y="1269403"/>
+                  </a:lnTo>
+                  <a:lnTo>
+                    <a:pt x="774551" y="1280160"/>
+                  </a:lnTo>
+                  <a:lnTo>
+                    <a:pt x="774551" y="1280160"/>
+                  </a:lnTo>
+                  <a:lnTo>
+                    <a:pt x="774551" y="1280160"/>
+                  </a:lnTo>
+                  <a:lnTo>
+                    <a:pt x="860612" y="1312433"/>
+                  </a:lnTo>
+                  <a:lnTo>
+                    <a:pt x="1204857" y="107577"/>
+                  </a:lnTo>
+                  <a:lnTo>
+                    <a:pt x="1032734" y="43031"/>
+                  </a:lnTo>
+                  <a:lnTo>
+                    <a:pt x="796066" y="0"/>
+                  </a:lnTo>
+                  <a:lnTo>
+                    <a:pt x="591671" y="0"/>
+                  </a:lnTo>
+                  <a:lnTo>
+                    <a:pt x="398033" y="0"/>
+                  </a:lnTo>
+                  <a:lnTo>
+                    <a:pt x="161365" y="53789"/>
+                  </a:lnTo>
+                  <a:lnTo>
+                    <a:pt x="0" y="96819"/>
+                  </a:lnTo>
+                  <a:close/>
+                </a:path>
+              </a:pathLst>
+            </a:custGeom>
+            <a:pattFill prst="solidDmnd">
+              <a:fgClr>
+                <a:schemeClr val="tx1"/>
+              </a:fgClr>
+              <a:bgClr>
+                <a:schemeClr val="bg1"/>
+              </a:bgClr>
+            </a:pattFill>
+            <a:ln>
+              <a:noFill/>
+            </a:ln>
+          </p:spPr>
+          <p:style>
+            <a:lnRef idx="2">
+              <a:schemeClr val="accent1">
+                <a:shade val="50000"/>
+              </a:schemeClr>
+            </a:lnRef>
+            <a:fillRef idx="1">
+              <a:schemeClr val="accent1"/>
+            </a:fillRef>
+            <a:effectRef idx="0">
+              <a:schemeClr val="accent1"/>
+            </a:effectRef>
+            <a:fontRef idx="minor">
+              <a:schemeClr val="lt1"/>
+            </a:fontRef>
+          </p:style>
+          <p:txBody>
+            <a:bodyPr rtlCol="0" anchor="ctr"/>
+            <a:lstStyle/>
+            <a:p>
+              <a:pPr algn="ctr"/>
+              <a:endParaRPr lang="en-US"/>
+            </a:p>
+          </p:txBody>
+        </p:sp>
+        <p:sp>
+          <p:nvSpPr>
+            <p:cNvPr id="7" name="Freeform 6">
+              <a:extLst>
+                <a:ext uri="{FF2B5EF4-FFF2-40B4-BE49-F238E27FC236}">
+                  <a16:creationId xmlns:a16="http://schemas.microsoft.com/office/drawing/2014/main" id="{F0D75898-F32C-DC4F-B8CF-E153E29B55D5}"/>
+                </a:ext>
+              </a:extLst>
+            </p:cNvPr>
+            <p:cNvSpPr/>
+            <p:nvPr/>
+          </p:nvSpPr>
+          <p:spPr>
+            <a:xfrm>
+              <a:off x="2904565" y="1011219"/>
+              <a:ext cx="3119717" cy="1280160"/>
+            </a:xfrm>
+            <a:custGeom>
+              <a:avLst/>
+              <a:gdLst>
+                <a:gd name="connsiteX0" fmla="*/ 0 w 3119717"/>
+                <a:gd name="connsiteY0" fmla="*/ 258183 h 1280160"/>
+                <a:gd name="connsiteX1" fmla="*/ 258183 w 3119717"/>
+                <a:gd name="connsiteY1" fmla="*/ 1269402 h 1280160"/>
+                <a:gd name="connsiteX2" fmla="*/ 484094 w 3119717"/>
+                <a:gd name="connsiteY2" fmla="*/ 1172583 h 1280160"/>
+                <a:gd name="connsiteX3" fmla="*/ 817581 w 3119717"/>
+                <a:gd name="connsiteY3" fmla="*/ 1097280 h 1280160"/>
+                <a:gd name="connsiteX4" fmla="*/ 1172583 w 3119717"/>
+                <a:gd name="connsiteY4" fmla="*/ 1043492 h 1280160"/>
+                <a:gd name="connsiteX5" fmla="*/ 1549101 w 3119717"/>
+                <a:gd name="connsiteY5" fmla="*/ 1043492 h 1280160"/>
+                <a:gd name="connsiteX6" fmla="*/ 1893346 w 3119717"/>
+                <a:gd name="connsiteY6" fmla="*/ 1054249 h 1280160"/>
+                <a:gd name="connsiteX7" fmla="*/ 2183802 w 3119717"/>
+                <a:gd name="connsiteY7" fmla="*/ 1108037 h 1280160"/>
+                <a:gd name="connsiteX8" fmla="*/ 2420470 w 3119717"/>
+                <a:gd name="connsiteY8" fmla="*/ 1151068 h 1280160"/>
+                <a:gd name="connsiteX9" fmla="*/ 2646381 w 3119717"/>
+                <a:gd name="connsiteY9" fmla="*/ 1226372 h 1280160"/>
+                <a:gd name="connsiteX10" fmla="*/ 2829261 w 3119717"/>
+                <a:gd name="connsiteY10" fmla="*/ 1280160 h 1280160"/>
+                <a:gd name="connsiteX11" fmla="*/ 3119717 w 3119717"/>
+                <a:gd name="connsiteY11" fmla="*/ 290456 h 1280160"/>
+                <a:gd name="connsiteX12" fmla="*/ 2775473 w 3119717"/>
+                <a:gd name="connsiteY12" fmla="*/ 182880 h 1280160"/>
+                <a:gd name="connsiteX13" fmla="*/ 2323651 w 3119717"/>
+                <a:gd name="connsiteY13" fmla="*/ 75303 h 1280160"/>
+                <a:gd name="connsiteX14" fmla="*/ 1861073 w 3119717"/>
+                <a:gd name="connsiteY14" fmla="*/ 21515 h 1280160"/>
+                <a:gd name="connsiteX15" fmla="*/ 1495313 w 3119717"/>
+                <a:gd name="connsiteY15" fmla="*/ 0 h 1280160"/>
+                <a:gd name="connsiteX16" fmla="*/ 1043491 w 3119717"/>
+                <a:gd name="connsiteY16" fmla="*/ 21515 h 1280160"/>
+                <a:gd name="connsiteX17" fmla="*/ 602428 w 3119717"/>
+                <a:gd name="connsiteY17" fmla="*/ 86061 h 1280160"/>
+                <a:gd name="connsiteX18" fmla="*/ 215153 w 3119717"/>
+                <a:gd name="connsiteY18" fmla="*/ 182880 h 1280160"/>
+                <a:gd name="connsiteX19" fmla="*/ 0 w 3119717"/>
+                <a:gd name="connsiteY19" fmla="*/ 258183 h 1280160"/>
+              </a:gdLst>
+              <a:ahLst/>
+              <a:cxnLst>
+                <a:cxn ang="0">
+                  <a:pos x="connsiteX0" y="connsiteY0"/>
+                </a:cxn>
+                <a:cxn ang="0">
+                  <a:pos x="connsiteX1" y="connsiteY1"/>
+                </a:cxn>
+                <a:cxn ang="0">
+                  <a:pos x="connsiteX2" y="connsiteY2"/>
+                </a:cxn>
+                <a:cxn ang="0">
+                  <a:pos x="connsiteX3" y="connsiteY3"/>
+                </a:cxn>
+                <a:cxn ang="0">
+                  <a:pos x="connsiteX4" y="connsiteY4"/>
+                </a:cxn>
+                <a:cxn ang="0">
+                  <a:pos x="connsiteX5" y="connsiteY5"/>
+                </a:cxn>
+                <a:cxn ang="0">
+                  <a:pos x="connsiteX6" y="connsiteY6"/>
+                </a:cxn>
+                <a:cxn ang="0">
+                  <a:pos x="connsiteX7" y="connsiteY7"/>
+                </a:cxn>
+                <a:cxn ang="0">
+                  <a:pos x="connsiteX8" y="connsiteY8"/>
+                </a:cxn>
+                <a:cxn ang="0">
+                  <a:pos x="connsiteX9" y="connsiteY9"/>
+                </a:cxn>
+                <a:cxn ang="0">
+                  <a:pos x="connsiteX10" y="connsiteY10"/>
+                </a:cxn>
+                <a:cxn ang="0">
+                  <a:pos x="connsiteX11" y="connsiteY11"/>
+                </a:cxn>
+                <a:cxn ang="0">
+                  <a:pos x="connsiteX12" y="connsiteY12"/>
+                </a:cxn>
+                <a:cxn ang="0">
+                  <a:pos x="connsiteX13" y="connsiteY13"/>
+                </a:cxn>
+                <a:cxn ang="0">
+                  <a:pos x="connsiteX14" y="connsiteY14"/>
+                </a:cxn>
+                <a:cxn ang="0">
+                  <a:pos x="connsiteX15" y="connsiteY15"/>
+                </a:cxn>
+                <a:cxn ang="0">
+                  <a:pos x="connsiteX16" y="connsiteY16"/>
+                </a:cxn>
+                <a:cxn ang="0">
+                  <a:pos x="connsiteX17" y="connsiteY17"/>
+                </a:cxn>
+                <a:cxn ang="0">
+                  <a:pos x="connsiteX18" y="connsiteY18"/>
+                </a:cxn>
+                <a:cxn ang="0">
+                  <a:pos x="connsiteX19" y="connsiteY19"/>
+                </a:cxn>
+              </a:cxnLst>
+              <a:rect l="l" t="t" r="r" b="b"/>
+              <a:pathLst>
+                <a:path w="3119717" h="1280160">
+                  <a:moveTo>
+                    <a:pt x="0" y="258183"/>
+                  </a:moveTo>
+                  <a:lnTo>
+                    <a:pt x="258183" y="1269402"/>
+                  </a:lnTo>
+                  <a:lnTo>
+                    <a:pt x="484094" y="1172583"/>
+                  </a:lnTo>
+                  <a:lnTo>
+                    <a:pt x="817581" y="1097280"/>
+                  </a:lnTo>
+                  <a:lnTo>
+                    <a:pt x="1172583" y="1043492"/>
+                  </a:lnTo>
+                  <a:lnTo>
+                    <a:pt x="1549101" y="1043492"/>
+                  </a:lnTo>
+                  <a:lnTo>
+                    <a:pt x="1893346" y="1054249"/>
+                  </a:lnTo>
+                  <a:lnTo>
+                    <a:pt x="2183802" y="1108037"/>
+                  </a:lnTo>
+                  <a:lnTo>
+                    <a:pt x="2420470" y="1151068"/>
+                  </a:lnTo>
+                  <a:lnTo>
+                    <a:pt x="2646381" y="1226372"/>
+                  </a:lnTo>
+                  <a:lnTo>
+                    <a:pt x="2829261" y="1280160"/>
+                  </a:lnTo>
+                  <a:lnTo>
+                    <a:pt x="3119717" y="290456"/>
+                  </a:lnTo>
+                  <a:lnTo>
+                    <a:pt x="2775473" y="182880"/>
+                  </a:lnTo>
+                  <a:lnTo>
+                    <a:pt x="2323651" y="75303"/>
+                  </a:lnTo>
+                  <a:lnTo>
+                    <a:pt x="1861073" y="21515"/>
+                  </a:lnTo>
+                  <a:lnTo>
+                    <a:pt x="1495313" y="0"/>
+                  </a:lnTo>
+                  <a:lnTo>
+                    <a:pt x="1043491" y="21515"/>
+                  </a:lnTo>
+                  <a:lnTo>
+                    <a:pt x="602428" y="86061"/>
+                  </a:lnTo>
+                  <a:lnTo>
+                    <a:pt x="215153" y="182880"/>
+                  </a:lnTo>
+                  <a:lnTo>
+                    <a:pt x="0" y="258183"/>
+                  </a:lnTo>
+                  <a:close/>
+                </a:path>
+              </a:pathLst>
+            </a:custGeom>
+            <a:pattFill prst="pct5">
+              <a:fgClr>
+                <a:schemeClr val="tx1"/>
+              </a:fgClr>
+              <a:bgClr>
+                <a:schemeClr val="bg1"/>
+              </a:bgClr>
+            </a:pattFill>
+            <a:ln>
+              <a:noFill/>
+            </a:ln>
+          </p:spPr>
+          <p:style>
+            <a:lnRef idx="2">
+              <a:schemeClr val="accent1">
+                <a:shade val="50000"/>
+              </a:schemeClr>
+            </a:lnRef>
+            <a:fillRef idx="1">
+              <a:schemeClr val="accent1"/>
+            </a:fillRef>
+            <a:effectRef idx="0">
+              <a:schemeClr val="accent1"/>
+            </a:effectRef>
+            <a:fontRef idx="minor">
+              <a:schemeClr val="lt1"/>
+            </a:fontRef>
+          </p:style>
+          <p:txBody>
+            <a:bodyPr rtlCol="0" anchor="ctr"/>
+            <a:lstStyle/>
+            <a:p>
+              <a:pPr algn="ctr"/>
+              <a:endParaRPr lang="en-US"/>
+            </a:p>
+          </p:txBody>
+        </p:sp>
+        <p:sp>
+          <p:nvSpPr>
+            <p:cNvPr id="2" name="Arc 1">
+              <a:extLst>
+                <a:ext uri="{FF2B5EF4-FFF2-40B4-BE49-F238E27FC236}">
+                  <a16:creationId xmlns:a16="http://schemas.microsoft.com/office/drawing/2014/main" id="{136B254B-8EEE-284E-A3CE-903622782DA0}"/>
+                </a:ext>
+              </a:extLst>
+            </p:cNvPr>
+            <p:cNvSpPr/>
+            <p:nvPr/>
+          </p:nvSpPr>
+          <p:spPr>
+            <a:xfrm>
+              <a:off x="1541722" y="952895"/>
+              <a:ext cx="5709684" cy="3423685"/>
+            </a:xfrm>
+            <a:prstGeom prst="arc">
+              <a:avLst>
+                <a:gd name="adj1" fmla="val 13413600"/>
+                <a:gd name="adj2" fmla="val 19175026"/>
+              </a:avLst>
+            </a:prstGeom>
+            <a:ln w="22225">
+              <a:solidFill>
+                <a:schemeClr val="tx1"/>
+              </a:solidFill>
+            </a:ln>
+          </p:spPr>
+          <p:style>
+            <a:lnRef idx="1">
+              <a:schemeClr val="accent1"/>
+            </a:lnRef>
+            <a:fillRef idx="0">
+              <a:schemeClr val="accent1"/>
+            </a:fillRef>
+            <a:effectRef idx="0">
+              <a:schemeClr val="accent1"/>
+            </a:effectRef>
+            <a:fontRef idx="minor">
+              <a:schemeClr val="tx1"/>
+            </a:fontRef>
+          </p:style>
+          <p:txBody>
+            <a:bodyPr rtlCol="0" anchor="ctr"/>
+            <a:lstStyle/>
+            <a:p>
+              <a:pPr algn="ctr"/>
+              <a:endParaRPr lang="en-US">
+                <a:latin typeface="Arial" panose="020B0604020202020204" pitchFamily="34" charset="0"/>
+                <a:cs typeface="Arial" panose="020B0604020202020204" pitchFamily="34" charset="0"/>
+              </a:endParaRPr>
+            </a:p>
+          </p:txBody>
+        </p:sp>
+        <p:cxnSp>
+          <p:nvCxnSpPr>
+            <p:cNvPr id="4" name="Straight Connector 3">
+              <a:extLst>
+                <a:ext uri="{FF2B5EF4-FFF2-40B4-BE49-F238E27FC236}">
+                  <a16:creationId xmlns:a16="http://schemas.microsoft.com/office/drawing/2014/main" id="{CF3A6183-4B57-8D4B-B882-790B13177568}"/>
+                </a:ext>
+              </a:extLst>
+            </p:cNvPr>
+            <p:cNvCxnSpPr>
+              <a:stCxn id="2" idx="0"/>
+            </p:cNvCxnSpPr>
+            <p:nvPr/>
+          </p:nvCxnSpPr>
+          <p:spPr>
+            <a:xfrm>
+              <a:off x="2873871" y="1216723"/>
+              <a:ext cx="1496110" cy="5339530"/>
+            </a:xfrm>
+            <a:prstGeom prst="line">
+              <a:avLst/>
+            </a:prstGeom>
+            <a:ln w="22225">
+              <a:solidFill>
+                <a:schemeClr val="tx1"/>
+              </a:solidFill>
+            </a:ln>
+          </p:spPr>
+          <p:style>
+            <a:lnRef idx="1">
+              <a:schemeClr val="accent1"/>
+            </a:lnRef>
+            <a:fillRef idx="0">
+              <a:schemeClr val="accent1"/>
+            </a:fillRef>
+            <a:effectRef idx="0">
+              <a:schemeClr val="accent1"/>
+            </a:effectRef>
+            <a:fontRef idx="minor">
+              <a:schemeClr val="tx1"/>
+            </a:fontRef>
+          </p:style>
+        </p:cxnSp>
+        <p:cxnSp>
+          <p:nvCxnSpPr>
+            <p:cNvPr id="50" name="Straight Connector 49">
+              <a:extLst>
+                <a:ext uri="{FF2B5EF4-FFF2-40B4-BE49-F238E27FC236}">
+                  <a16:creationId xmlns:a16="http://schemas.microsoft.com/office/drawing/2014/main" id="{C7DF7200-0787-5447-83AA-02FE6B2EA5A6}"/>
+                </a:ext>
+              </a:extLst>
+            </p:cNvPr>
+            <p:cNvCxnSpPr>
+              <a:cxnSpLocks/>
+            </p:cNvCxnSpPr>
+            <p:nvPr/>
+          </p:nvCxnSpPr>
+          <p:spPr>
+            <a:xfrm flipH="1">
+              <a:off x="4369981" y="1266650"/>
+              <a:ext cx="1679945" cy="5295014"/>
+            </a:xfrm>
+            <a:prstGeom prst="line">
+              <a:avLst/>
+            </a:prstGeom>
+            <a:ln w="22225">
+              <a:solidFill>
+                <a:schemeClr val="tx1"/>
+              </a:solidFill>
+            </a:ln>
+          </p:spPr>
+          <p:style>
+            <a:lnRef idx="1">
+              <a:schemeClr val="accent1"/>
+            </a:lnRef>
+            <a:fillRef idx="0">
+              <a:schemeClr val="accent1"/>
+            </a:fillRef>
+            <a:effectRef idx="0">
+              <a:schemeClr val="accent1"/>
+            </a:effectRef>
+            <a:fontRef idx="minor">
+              <a:schemeClr val="tx1"/>
+            </a:fontRef>
+          </p:style>
+        </p:cxnSp>
+        <p:sp>
+          <p:nvSpPr>
+            <p:cNvPr id="51" name="Arc 50">
+              <a:extLst>
+                <a:ext uri="{FF2B5EF4-FFF2-40B4-BE49-F238E27FC236}">
+                  <a16:creationId xmlns:a16="http://schemas.microsoft.com/office/drawing/2014/main" id="{09A56795-8656-624A-B2AB-2C04AEDBFFC6}"/>
+                </a:ext>
+              </a:extLst>
+            </p:cNvPr>
+            <p:cNvSpPr/>
+            <p:nvPr/>
+          </p:nvSpPr>
+          <p:spPr>
+            <a:xfrm>
+              <a:off x="1545263" y="1004379"/>
+              <a:ext cx="5709684" cy="3423685"/>
+            </a:xfrm>
+            <a:prstGeom prst="arc">
+              <a:avLst>
+                <a:gd name="adj1" fmla="val 13413600"/>
+                <a:gd name="adj2" fmla="val 19175026"/>
+              </a:avLst>
+            </a:prstGeom>
+            <a:ln w="22225">
+              <a:solidFill>
+                <a:schemeClr val="tx1"/>
+              </a:solidFill>
+            </a:ln>
+          </p:spPr>
+          <p:style>
+            <a:lnRef idx="1">
+              <a:schemeClr val="accent1"/>
+            </a:lnRef>
+            <a:fillRef idx="0">
+              <a:schemeClr val="accent1"/>
+            </a:fillRef>
+            <a:effectRef idx="0">
+              <a:schemeClr val="accent1"/>
+            </a:effectRef>
+            <a:fontRef idx="minor">
+              <a:schemeClr val="tx1"/>
+            </a:fontRef>
+          </p:style>
+          <p:txBody>
+            <a:bodyPr rtlCol="0" anchor="ctr"/>
+            <a:lstStyle/>
+            <a:p>
+              <a:pPr algn="ctr"/>
+              <a:endParaRPr lang="en-US">
+                <a:latin typeface="Arial" panose="020B0604020202020204" pitchFamily="34" charset="0"/>
+                <a:cs typeface="Arial" panose="020B0604020202020204" pitchFamily="34" charset="0"/>
+              </a:endParaRPr>
+            </a:p>
+          </p:txBody>
+        </p:sp>
+        <p:sp>
+          <p:nvSpPr>
+            <p:cNvPr id="54" name="Arc 53">
+              <a:extLst>
+                <a:ext uri="{FF2B5EF4-FFF2-40B4-BE49-F238E27FC236}">
+                  <a16:creationId xmlns:a16="http://schemas.microsoft.com/office/drawing/2014/main" id="{DA1B9DD5-B1CF-BE43-A38D-2A230E6A2991}"/>
+                </a:ext>
+              </a:extLst>
+            </p:cNvPr>
+            <p:cNvSpPr/>
+            <p:nvPr/>
+          </p:nvSpPr>
+          <p:spPr>
+            <a:xfrm>
+              <a:off x="3636329" y="5629555"/>
+              <a:ext cx="1403504" cy="841580"/>
+            </a:xfrm>
+            <a:prstGeom prst="arc">
+              <a:avLst>
+                <a:gd name="adj1" fmla="val 14299320"/>
+                <a:gd name="adj2" fmla="val 18502475"/>
+              </a:avLst>
+            </a:prstGeom>
+            <a:ln w="22225">
+              <a:solidFill>
+                <a:schemeClr val="tx1"/>
+              </a:solidFill>
+            </a:ln>
+          </p:spPr>
+          <p:style>
+            <a:lnRef idx="1">
+              <a:schemeClr val="accent1"/>
+            </a:lnRef>
+            <a:fillRef idx="0">
+              <a:schemeClr val="accent1"/>
+            </a:fillRef>
+            <a:effectRef idx="0">
+              <a:schemeClr val="accent1"/>
+            </a:effectRef>
+            <a:fontRef idx="minor">
+              <a:schemeClr val="tx1"/>
+            </a:fontRef>
+          </p:style>
+          <p:txBody>
+            <a:bodyPr rtlCol="0" anchor="ctr"/>
+            <a:lstStyle/>
+            <a:p>
+              <a:pPr algn="ctr"/>
+              <a:endParaRPr lang="en-US">
+                <a:latin typeface="Arial" panose="020B0604020202020204" pitchFamily="34" charset="0"/>
+                <a:cs typeface="Arial" panose="020B0604020202020204" pitchFamily="34" charset="0"/>
+              </a:endParaRPr>
+            </a:p>
+          </p:txBody>
+        </p:sp>
+        <p:sp>
+          <p:nvSpPr>
+            <p:cNvPr id="55" name="Arc 54">
+              <a:extLst>
+                <a:ext uri="{FF2B5EF4-FFF2-40B4-BE49-F238E27FC236}">
+                  <a16:creationId xmlns:a16="http://schemas.microsoft.com/office/drawing/2014/main" id="{C4505020-0642-544D-900F-DB84060F6066}"/>
+                </a:ext>
+              </a:extLst>
+            </p:cNvPr>
+            <p:cNvSpPr/>
+            <p:nvPr/>
+          </p:nvSpPr>
+          <p:spPr>
+            <a:xfrm>
+              <a:off x="3175587" y="4367816"/>
+              <a:ext cx="2459668" cy="1474885"/>
+            </a:xfrm>
+            <a:prstGeom prst="arc">
+              <a:avLst>
+                <a:gd name="adj1" fmla="val 13528787"/>
+                <a:gd name="adj2" fmla="val 18839079"/>
+              </a:avLst>
+            </a:prstGeom>
+            <a:ln w="22225">
+              <a:solidFill>
+                <a:schemeClr val="tx1"/>
+              </a:solidFill>
+            </a:ln>
+          </p:spPr>
+          <p:style>
+            <a:lnRef idx="1">
+              <a:schemeClr val="accent1"/>
+            </a:lnRef>
+            <a:fillRef idx="0">
+              <a:schemeClr val="accent1"/>
+            </a:fillRef>
+            <a:effectRef idx="0">
+              <a:schemeClr val="accent1"/>
+            </a:effectRef>
+            <a:fontRef idx="minor">
+              <a:schemeClr val="tx1"/>
+            </a:fontRef>
+          </p:style>
+          <p:txBody>
+            <a:bodyPr rtlCol="0" anchor="ctr"/>
+            <a:lstStyle/>
+            <a:p>
+              <a:pPr algn="ctr"/>
+              <a:endParaRPr lang="en-US">
+                <a:latin typeface="Arial" panose="020B0604020202020204" pitchFamily="34" charset="0"/>
+                <a:cs typeface="Arial" panose="020B0604020202020204" pitchFamily="34" charset="0"/>
+              </a:endParaRPr>
+            </a:p>
+          </p:txBody>
+        </p:sp>
+        <p:sp>
+          <p:nvSpPr>
+            <p:cNvPr id="27" name="Arc 26">
+              <a:extLst>
+                <a:ext uri="{FF2B5EF4-FFF2-40B4-BE49-F238E27FC236}">
+                  <a16:creationId xmlns:a16="http://schemas.microsoft.com/office/drawing/2014/main" id="{CDCC1790-2606-244E-8F36-B8D6617A65D7}"/>
+                </a:ext>
+              </a:extLst>
+            </p:cNvPr>
+            <p:cNvSpPr/>
+            <p:nvPr/>
+          </p:nvSpPr>
+          <p:spPr>
+            <a:xfrm>
+              <a:off x="1988279" y="1701771"/>
+              <a:ext cx="4846728" cy="2906233"/>
+            </a:xfrm>
+            <a:prstGeom prst="arc">
+              <a:avLst>
+                <a:gd name="adj1" fmla="val 13340551"/>
+                <a:gd name="adj2" fmla="val 19175026"/>
+              </a:avLst>
+            </a:prstGeom>
+            <a:ln w="22225">
+              <a:solidFill>
+                <a:schemeClr val="tx1"/>
+              </a:solidFill>
+              <a:prstDash val="lgDash"/>
+            </a:ln>
+          </p:spPr>
+          <p:style>
+            <a:lnRef idx="1">
+              <a:schemeClr val="accent1"/>
+            </a:lnRef>
+            <a:fillRef idx="0">
+              <a:schemeClr val="accent1"/>
+            </a:fillRef>
+            <a:effectRef idx="0">
+              <a:schemeClr val="accent1"/>
+            </a:effectRef>
+            <a:fontRef idx="minor">
+              <a:schemeClr val="tx1"/>
+            </a:fontRef>
+          </p:style>
+          <p:txBody>
+            <a:bodyPr rtlCol="0" anchor="ctr"/>
+            <a:lstStyle/>
+            <a:p>
+              <a:pPr algn="ctr"/>
+              <a:endParaRPr lang="en-US"/>
+            </a:p>
+          </p:txBody>
+        </p:sp>
+        <p:sp>
+          <p:nvSpPr>
+            <p:cNvPr id="28" name="Arc 27">
+              <a:extLst>
+                <a:ext uri="{FF2B5EF4-FFF2-40B4-BE49-F238E27FC236}">
+                  <a16:creationId xmlns:a16="http://schemas.microsoft.com/office/drawing/2014/main" id="{3D245ECD-D8C6-034B-B03A-998AED383C58}"/>
+                </a:ext>
+              </a:extLst>
+            </p:cNvPr>
+            <p:cNvSpPr/>
+            <p:nvPr/>
+          </p:nvSpPr>
+          <p:spPr>
+            <a:xfrm>
+              <a:off x="2083974" y="2045560"/>
+              <a:ext cx="4667700" cy="2798882"/>
+            </a:xfrm>
+            <a:prstGeom prst="arc">
+              <a:avLst>
+                <a:gd name="adj1" fmla="val 13413600"/>
+                <a:gd name="adj2" fmla="val 19076388"/>
+              </a:avLst>
+            </a:prstGeom>
+            <a:ln w="22225">
+              <a:solidFill>
+                <a:schemeClr val="tx1"/>
+              </a:solidFill>
+              <a:prstDash val="lgDash"/>
+            </a:ln>
+          </p:spPr>
+          <p:style>
+            <a:lnRef idx="1">
+              <a:schemeClr val="accent1"/>
+            </a:lnRef>
+            <a:fillRef idx="0">
+              <a:schemeClr val="accent1"/>
+            </a:fillRef>
+            <a:effectRef idx="0">
+              <a:schemeClr val="accent1"/>
+            </a:effectRef>
+            <a:fontRef idx="minor">
+              <a:schemeClr val="tx1"/>
+            </a:fontRef>
+          </p:style>
+          <p:txBody>
+            <a:bodyPr rtlCol="0" anchor="ctr"/>
+            <a:lstStyle/>
+            <a:p>
+              <a:pPr algn="ctr"/>
+              <a:endParaRPr lang="en-US"/>
+            </a:p>
+          </p:txBody>
+        </p:sp>
+        <p:sp>
+          <p:nvSpPr>
+            <p:cNvPr id="11" name="Freeform 10">
+              <a:extLst>
+                <a:ext uri="{FF2B5EF4-FFF2-40B4-BE49-F238E27FC236}">
+                  <a16:creationId xmlns:a16="http://schemas.microsoft.com/office/drawing/2014/main" id="{FC007766-EE33-B74C-8E03-C72300A8B9F4}"/>
+                </a:ext>
+              </a:extLst>
+            </p:cNvPr>
+            <p:cNvSpPr/>
+            <p:nvPr/>
+          </p:nvSpPr>
+          <p:spPr>
+            <a:xfrm>
+              <a:off x="2871788" y="946505"/>
+              <a:ext cx="3200400" cy="371475"/>
+            </a:xfrm>
+            <a:custGeom>
+              <a:avLst/>
+              <a:gdLst>
+                <a:gd name="connsiteX0" fmla="*/ 0 w 3200400"/>
+                <a:gd name="connsiteY0" fmla="*/ 242887 h 371475"/>
+                <a:gd name="connsiteX1" fmla="*/ 228600 w 3200400"/>
+                <a:gd name="connsiteY1" fmla="*/ 200025 h 371475"/>
+                <a:gd name="connsiteX2" fmla="*/ 557212 w 3200400"/>
+                <a:gd name="connsiteY2" fmla="*/ 114300 h 371475"/>
+                <a:gd name="connsiteX3" fmla="*/ 957262 w 3200400"/>
+                <a:gd name="connsiteY3" fmla="*/ 42862 h 371475"/>
+                <a:gd name="connsiteX4" fmla="*/ 1257300 w 3200400"/>
+                <a:gd name="connsiteY4" fmla="*/ 14287 h 371475"/>
+                <a:gd name="connsiteX5" fmla="*/ 1485900 w 3200400"/>
+                <a:gd name="connsiteY5" fmla="*/ 0 h 371475"/>
+                <a:gd name="connsiteX6" fmla="*/ 1900237 w 3200400"/>
+                <a:gd name="connsiteY6" fmla="*/ 28575 h 371475"/>
+                <a:gd name="connsiteX7" fmla="*/ 2243137 w 3200400"/>
+                <a:gd name="connsiteY7" fmla="*/ 57150 h 371475"/>
+                <a:gd name="connsiteX8" fmla="*/ 2586037 w 3200400"/>
+                <a:gd name="connsiteY8" fmla="*/ 114300 h 371475"/>
+                <a:gd name="connsiteX9" fmla="*/ 2871787 w 3200400"/>
+                <a:gd name="connsiteY9" fmla="*/ 200025 h 371475"/>
+                <a:gd name="connsiteX10" fmla="*/ 3128962 w 3200400"/>
+                <a:gd name="connsiteY10" fmla="*/ 285750 h 371475"/>
+                <a:gd name="connsiteX11" fmla="*/ 3200400 w 3200400"/>
+                <a:gd name="connsiteY11" fmla="*/ 314325 h 371475"/>
+                <a:gd name="connsiteX12" fmla="*/ 3171825 w 3200400"/>
+                <a:gd name="connsiteY12" fmla="*/ 371475 h 371475"/>
+                <a:gd name="connsiteX13" fmla="*/ 2943225 w 3200400"/>
+                <a:gd name="connsiteY13" fmla="*/ 271462 h 371475"/>
+                <a:gd name="connsiteX14" fmla="*/ 2571750 w 3200400"/>
+                <a:gd name="connsiteY14" fmla="*/ 171450 h 371475"/>
+                <a:gd name="connsiteX15" fmla="*/ 2200275 w 3200400"/>
+                <a:gd name="connsiteY15" fmla="*/ 114300 h 371475"/>
+                <a:gd name="connsiteX16" fmla="*/ 1785937 w 3200400"/>
+                <a:gd name="connsiteY16" fmla="*/ 57150 h 371475"/>
+                <a:gd name="connsiteX17" fmla="*/ 1328737 w 3200400"/>
+                <a:gd name="connsiteY17" fmla="*/ 71437 h 371475"/>
+                <a:gd name="connsiteX18" fmla="*/ 928687 w 3200400"/>
+                <a:gd name="connsiteY18" fmla="*/ 100012 h 371475"/>
+                <a:gd name="connsiteX19" fmla="*/ 571500 w 3200400"/>
+                <a:gd name="connsiteY19" fmla="*/ 157162 h 371475"/>
+                <a:gd name="connsiteX20" fmla="*/ 271462 w 3200400"/>
+                <a:gd name="connsiteY20" fmla="*/ 257175 h 371475"/>
+                <a:gd name="connsiteX21" fmla="*/ 42862 w 3200400"/>
+                <a:gd name="connsiteY21" fmla="*/ 328612 h 371475"/>
+                <a:gd name="connsiteX22" fmla="*/ 0 w 3200400"/>
+                <a:gd name="connsiteY22" fmla="*/ 242887 h 371475"/>
+              </a:gdLst>
+              <a:ahLst/>
+              <a:cxnLst>
+                <a:cxn ang="0">
+                  <a:pos x="connsiteX0" y="connsiteY0"/>
+                </a:cxn>
+                <a:cxn ang="0">
+                  <a:pos x="connsiteX1" y="connsiteY1"/>
+                </a:cxn>
+                <a:cxn ang="0">
+                  <a:pos x="connsiteX2" y="connsiteY2"/>
+                </a:cxn>
+                <a:cxn ang="0">
+                  <a:pos x="connsiteX3" y="connsiteY3"/>
+                </a:cxn>
+                <a:cxn ang="0">
+                  <a:pos x="connsiteX4" y="connsiteY4"/>
+                </a:cxn>
+                <a:cxn ang="0">
+                  <a:pos x="connsiteX5" y="connsiteY5"/>
+                </a:cxn>
+                <a:cxn ang="0">
+                  <a:pos x="connsiteX6" y="connsiteY6"/>
+                </a:cxn>
+                <a:cxn ang="0">
+                  <a:pos x="connsiteX7" y="connsiteY7"/>
+                </a:cxn>
+                <a:cxn ang="0">
+                  <a:pos x="connsiteX8" y="connsiteY8"/>
+                </a:cxn>
+                <a:cxn ang="0">
+                  <a:pos x="connsiteX9" y="connsiteY9"/>
+                </a:cxn>
+                <a:cxn ang="0">
+                  <a:pos x="connsiteX10" y="connsiteY10"/>
+                </a:cxn>
+                <a:cxn ang="0">
+                  <a:pos x="connsiteX11" y="connsiteY11"/>
+                </a:cxn>
+                <a:cxn ang="0">
+                  <a:pos x="connsiteX12" y="connsiteY12"/>
+                </a:cxn>
+                <a:cxn ang="0">
+                  <a:pos x="connsiteX13" y="connsiteY13"/>
+                </a:cxn>
+                <a:cxn ang="0">
+                  <a:pos x="connsiteX14" y="connsiteY14"/>
+                </a:cxn>
+                <a:cxn ang="0">
+                  <a:pos x="connsiteX15" y="connsiteY15"/>
+                </a:cxn>
+                <a:cxn ang="0">
+                  <a:pos x="connsiteX16" y="connsiteY16"/>
+                </a:cxn>
+                <a:cxn ang="0">
+                  <a:pos x="connsiteX17" y="connsiteY17"/>
+                </a:cxn>
+                <a:cxn ang="0">
+                  <a:pos x="connsiteX18" y="connsiteY18"/>
+                </a:cxn>
+                <a:cxn ang="0">
+                  <a:pos x="connsiteX19" y="connsiteY19"/>
+                </a:cxn>
+                <a:cxn ang="0">
+                  <a:pos x="connsiteX20" y="connsiteY20"/>
+                </a:cxn>
+                <a:cxn ang="0">
+                  <a:pos x="connsiteX21" y="connsiteY21"/>
+                </a:cxn>
+                <a:cxn ang="0">
+                  <a:pos x="connsiteX22" y="connsiteY22"/>
+                </a:cxn>
+              </a:cxnLst>
+              <a:rect l="l" t="t" r="r" b="b"/>
+              <a:pathLst>
+                <a:path w="3200400" h="371475">
+                  <a:moveTo>
+                    <a:pt x="0" y="242887"/>
+                  </a:moveTo>
+                  <a:lnTo>
+                    <a:pt x="228600" y="200025"/>
+                  </a:lnTo>
+                  <a:lnTo>
+                    <a:pt x="557212" y="114300"/>
+                  </a:lnTo>
+                  <a:lnTo>
+                    <a:pt x="957262" y="42862"/>
+                  </a:lnTo>
+                  <a:lnTo>
+                    <a:pt x="1257300" y="14287"/>
+                  </a:lnTo>
+                  <a:lnTo>
+                    <a:pt x="1485900" y="0"/>
+                  </a:lnTo>
+                  <a:lnTo>
+                    <a:pt x="1900237" y="28575"/>
+                  </a:lnTo>
+                  <a:lnTo>
+                    <a:pt x="2243137" y="57150"/>
+                  </a:lnTo>
+                  <a:lnTo>
+                    <a:pt x="2586037" y="114300"/>
+                  </a:lnTo>
+                  <a:lnTo>
+                    <a:pt x="2871787" y="200025"/>
+                  </a:lnTo>
+                  <a:lnTo>
+                    <a:pt x="3128962" y="285750"/>
+                  </a:lnTo>
+                  <a:lnTo>
+                    <a:pt x="3200400" y="314325"/>
+                  </a:lnTo>
+                  <a:lnTo>
+                    <a:pt x="3171825" y="371475"/>
+                  </a:lnTo>
+                  <a:lnTo>
+                    <a:pt x="2943225" y="271462"/>
+                  </a:lnTo>
+                  <a:lnTo>
+                    <a:pt x="2571750" y="171450"/>
+                  </a:lnTo>
+                  <a:lnTo>
+                    <a:pt x="2200275" y="114300"/>
+                  </a:lnTo>
+                  <a:lnTo>
+                    <a:pt x="1785937" y="57150"/>
+                  </a:lnTo>
+                  <a:lnTo>
+                    <a:pt x="1328737" y="71437"/>
+                  </a:lnTo>
+                  <a:lnTo>
+                    <a:pt x="928687" y="100012"/>
+                  </a:lnTo>
+                  <a:lnTo>
+                    <a:pt x="571500" y="157162"/>
+                  </a:lnTo>
+                  <a:lnTo>
+                    <a:pt x="271462" y="257175"/>
+                  </a:lnTo>
+                  <a:lnTo>
+                    <a:pt x="42862" y="328612"/>
+                  </a:lnTo>
+                  <a:lnTo>
+                    <a:pt x="0" y="242887"/>
+                  </a:lnTo>
+                  <a:close/>
+                </a:path>
+              </a:pathLst>
+            </a:custGeom>
             <a:solidFill>
               <a:schemeClr val="tx1"/>
             </a:solidFill>
-          </a:ln>
-        </p:spPr>
-        <p:style>
-          <a:lnRef idx="1">
-            <a:schemeClr val="accent1"/>
-          </a:lnRef>
-          <a:fillRef idx="0">
-            <a:schemeClr val="accent1"/>
-          </a:fillRef>
-          <a:effectRef idx="0">
-            <a:schemeClr val="accent1"/>
-          </a:effectRef>
-          <a:fontRef idx="minor">
-            <a:schemeClr val="tx1"/>
-          </a:fontRef>
-        </p:style>
-      </p:cxnSp>
-      <p:cxnSp>
-        <p:nvCxnSpPr>
-          <p:cNvPr id="50" name="Straight Connector 49">
-            <a:extLst>
-              <a:ext uri="{FF2B5EF4-FFF2-40B4-BE49-F238E27FC236}">
-                <a16:creationId xmlns:a16="http://schemas.microsoft.com/office/drawing/2014/main" id="{C7DF7200-0787-5447-83AA-02FE6B2EA5A6}"/>
-              </a:ext>
-            </a:extLst>
-          </p:cNvPr>
-          <p:cNvCxnSpPr>
-            <a:cxnSpLocks/>
-          </p:cNvCxnSpPr>
-          <p:nvPr/>
-        </p:nvCxnSpPr>
-        <p:spPr>
-          <a:xfrm flipH="1">
-            <a:off x="4369981" y="1266650"/>
-            <a:ext cx="1679945" cy="5295014"/>
-          </a:xfrm>
-          <a:prstGeom prst="line">
-            <a:avLst/>
-          </a:prstGeom>
-          <a:ln w="22225">
-            <a:solidFill>
-              <a:schemeClr val="tx1"/>
-            </a:solidFill>
-          </a:ln>
-        </p:spPr>
-        <p:style>
-          <a:lnRef idx="1">
-            <a:schemeClr val="accent1"/>
-          </a:lnRef>
-          <a:fillRef idx="0">
-            <a:schemeClr val="accent1"/>
-          </a:fillRef>
-          <a:effectRef idx="0">
-            <a:schemeClr val="accent1"/>
-          </a:effectRef>
-          <a:fontRef idx="minor">
-            <a:schemeClr val="tx1"/>
-          </a:fontRef>
-        </p:style>
-      </p:cxnSp>
-      <p:sp>
-        <p:nvSpPr>
-          <p:cNvPr id="51" name="Arc 50">
-            <a:extLst>
-              <a:ext uri="{FF2B5EF4-FFF2-40B4-BE49-F238E27FC236}">
-                <a16:creationId xmlns:a16="http://schemas.microsoft.com/office/drawing/2014/main" id="{09A56795-8656-624A-B2AB-2C04AEDBFFC6}"/>
-              </a:ext>
-            </a:extLst>
-          </p:cNvPr>
-          <p:cNvSpPr/>
-          <p:nvPr/>
-        </p:nvSpPr>
-        <p:spPr>
-          <a:xfrm>
-            <a:off x="1545263" y="1004379"/>
-            <a:ext cx="5709684" cy="3423685"/>
-          </a:xfrm>
-          <a:prstGeom prst="arc">
-            <a:avLst>
-              <a:gd name="adj1" fmla="val 13413600"/>
-              <a:gd name="adj2" fmla="val 19175026"/>
-            </a:avLst>
-          </a:prstGeom>
-          <a:ln w="22225">
-            <a:solidFill>
-              <a:schemeClr val="tx1"/>
-            </a:solidFill>
-          </a:ln>
-        </p:spPr>
-        <p:style>
-          <a:lnRef idx="1">
-            <a:schemeClr val="accent1"/>
-          </a:lnRef>
-          <a:fillRef idx="0">
-            <a:schemeClr val="accent1"/>
-          </a:fillRef>
-          <a:effectRef idx="0">
-            <a:schemeClr val="accent1"/>
-          </a:effectRef>
-          <a:fontRef idx="minor">
-            <a:schemeClr val="tx1"/>
-          </a:fontRef>
-        </p:style>
-        <p:txBody>
-          <a:bodyPr rtlCol="0" anchor="ctr"/>
-          <a:lstStyle/>
-          <a:p>
-            <a:pPr algn="ctr"/>
-            <a:endParaRPr lang="en-US">
-              <a:latin typeface="Arial" panose="020B0604020202020204" pitchFamily="34" charset="0"/>
-              <a:cs typeface="Arial" panose="020B0604020202020204" pitchFamily="34" charset="0"/>
-            </a:endParaRPr>
-          </a:p>
-        </p:txBody>
-      </p:sp>
-      <p:sp>
-        <p:nvSpPr>
-          <p:cNvPr id="54" name="Arc 53">
-            <a:extLst>
-              <a:ext uri="{FF2B5EF4-FFF2-40B4-BE49-F238E27FC236}">
-                <a16:creationId xmlns:a16="http://schemas.microsoft.com/office/drawing/2014/main" id="{DA1B9DD5-B1CF-BE43-A38D-2A230E6A2991}"/>
-              </a:ext>
-            </a:extLst>
-          </p:cNvPr>
-          <p:cNvSpPr/>
-          <p:nvPr/>
-        </p:nvSpPr>
-        <p:spPr>
-          <a:xfrm>
-            <a:off x="3636329" y="5629555"/>
-            <a:ext cx="1403504" cy="841580"/>
-          </a:xfrm>
-          <a:prstGeom prst="arc">
-            <a:avLst>
-              <a:gd name="adj1" fmla="val 14299320"/>
-              <a:gd name="adj2" fmla="val 18502475"/>
-            </a:avLst>
-          </a:prstGeom>
-          <a:ln w="22225">
-            <a:solidFill>
-              <a:schemeClr val="tx1"/>
-            </a:solidFill>
-          </a:ln>
-        </p:spPr>
-        <p:style>
-          <a:lnRef idx="1">
-            <a:schemeClr val="accent1"/>
-          </a:lnRef>
-          <a:fillRef idx="0">
-            <a:schemeClr val="accent1"/>
-          </a:fillRef>
-          <a:effectRef idx="0">
-            <a:schemeClr val="accent1"/>
-          </a:effectRef>
-          <a:fontRef idx="minor">
-            <a:schemeClr val="tx1"/>
-          </a:fontRef>
-        </p:style>
-        <p:txBody>
-          <a:bodyPr rtlCol="0" anchor="ctr"/>
-          <a:lstStyle/>
-          <a:p>
-            <a:pPr algn="ctr"/>
-            <a:endParaRPr lang="en-US">
-              <a:latin typeface="Arial" panose="020B0604020202020204" pitchFamily="34" charset="0"/>
-              <a:cs typeface="Arial" panose="020B0604020202020204" pitchFamily="34" charset="0"/>
-            </a:endParaRPr>
-          </a:p>
-        </p:txBody>
-      </p:sp>
-      <p:sp>
-        <p:nvSpPr>
-          <p:cNvPr id="55" name="Arc 54">
-            <a:extLst>
-              <a:ext uri="{FF2B5EF4-FFF2-40B4-BE49-F238E27FC236}">
-                <a16:creationId xmlns:a16="http://schemas.microsoft.com/office/drawing/2014/main" id="{C4505020-0642-544D-900F-DB84060F6066}"/>
-              </a:ext>
-            </a:extLst>
-          </p:cNvPr>
-          <p:cNvSpPr/>
-          <p:nvPr/>
-        </p:nvSpPr>
-        <p:spPr>
-          <a:xfrm>
-            <a:off x="3175587" y="4367816"/>
-            <a:ext cx="2459668" cy="1474885"/>
-          </a:xfrm>
-          <a:prstGeom prst="arc">
-            <a:avLst>
-              <a:gd name="adj1" fmla="val 13528787"/>
-              <a:gd name="adj2" fmla="val 18839079"/>
-            </a:avLst>
-          </a:prstGeom>
-          <a:ln w="22225">
-            <a:solidFill>
-              <a:schemeClr val="tx1"/>
-            </a:solidFill>
-          </a:ln>
-        </p:spPr>
-        <p:style>
-          <a:lnRef idx="1">
-            <a:schemeClr val="accent1"/>
-          </a:lnRef>
-          <a:fillRef idx="0">
-            <a:schemeClr val="accent1"/>
-          </a:fillRef>
-          <a:effectRef idx="0">
-            <a:schemeClr val="accent1"/>
-          </a:effectRef>
-          <a:fontRef idx="minor">
-            <a:schemeClr val="tx1"/>
-          </a:fontRef>
-        </p:style>
-        <p:txBody>
-          <a:bodyPr rtlCol="0" anchor="ctr"/>
-          <a:lstStyle/>
-          <a:p>
-            <a:pPr algn="ctr"/>
-            <a:endParaRPr lang="en-US">
-              <a:latin typeface="Arial" panose="020B0604020202020204" pitchFamily="34" charset="0"/>
-              <a:cs typeface="Arial" panose="020B0604020202020204" pitchFamily="34" charset="0"/>
-            </a:endParaRPr>
-          </a:p>
-        </p:txBody>
-      </p:sp>
-      <p:sp>
-        <p:nvSpPr>
-          <p:cNvPr id="27" name="Arc 26">
-            <a:extLst>
-              <a:ext uri="{FF2B5EF4-FFF2-40B4-BE49-F238E27FC236}">
-                <a16:creationId xmlns:a16="http://schemas.microsoft.com/office/drawing/2014/main" id="{CDCC1790-2606-244E-8F36-B8D6617A65D7}"/>
-              </a:ext>
-            </a:extLst>
-          </p:cNvPr>
-          <p:cNvSpPr/>
-          <p:nvPr/>
-        </p:nvSpPr>
-        <p:spPr>
-          <a:xfrm>
-            <a:off x="1988279" y="1701771"/>
-            <a:ext cx="4846728" cy="2906233"/>
-          </a:xfrm>
-          <a:prstGeom prst="arc">
-            <a:avLst>
-              <a:gd name="adj1" fmla="val 13340551"/>
-              <a:gd name="adj2" fmla="val 19175026"/>
-            </a:avLst>
-          </a:prstGeom>
-          <a:ln w="22225">
-            <a:solidFill>
-              <a:schemeClr val="tx1"/>
-            </a:solidFill>
-            <a:prstDash val="lgDash"/>
-          </a:ln>
-        </p:spPr>
-        <p:style>
-          <a:lnRef idx="1">
-            <a:schemeClr val="accent1"/>
-          </a:lnRef>
-          <a:fillRef idx="0">
-            <a:schemeClr val="accent1"/>
-          </a:fillRef>
-          <a:effectRef idx="0">
-            <a:schemeClr val="accent1"/>
-          </a:effectRef>
-          <a:fontRef idx="minor">
-            <a:schemeClr val="tx1"/>
-          </a:fontRef>
-        </p:style>
-        <p:txBody>
-          <a:bodyPr rtlCol="0" anchor="ctr"/>
-          <a:lstStyle/>
-          <a:p>
-            <a:pPr algn="ctr"/>
-            <a:endParaRPr lang="en-US"/>
-          </a:p>
-        </p:txBody>
-      </p:sp>
-      <p:sp>
-        <p:nvSpPr>
-          <p:cNvPr id="28" name="Arc 27">
-            <a:extLst>
-              <a:ext uri="{FF2B5EF4-FFF2-40B4-BE49-F238E27FC236}">
-                <a16:creationId xmlns:a16="http://schemas.microsoft.com/office/drawing/2014/main" id="{3D245ECD-D8C6-034B-B03A-998AED383C58}"/>
-              </a:ext>
-            </a:extLst>
-          </p:cNvPr>
-          <p:cNvSpPr/>
-          <p:nvPr/>
-        </p:nvSpPr>
-        <p:spPr>
-          <a:xfrm>
-            <a:off x="2083974" y="2045560"/>
-            <a:ext cx="4667700" cy="2798882"/>
-          </a:xfrm>
-          <a:prstGeom prst="arc">
-            <a:avLst>
-              <a:gd name="adj1" fmla="val 13413600"/>
-              <a:gd name="adj2" fmla="val 19076388"/>
-            </a:avLst>
-          </a:prstGeom>
-          <a:ln w="22225">
-            <a:solidFill>
-              <a:schemeClr val="tx1"/>
-            </a:solidFill>
-            <a:prstDash val="lgDash"/>
-          </a:ln>
-        </p:spPr>
-        <p:style>
-          <a:lnRef idx="1">
-            <a:schemeClr val="accent1"/>
-          </a:lnRef>
-          <a:fillRef idx="0">
-            <a:schemeClr val="accent1"/>
-          </a:fillRef>
-          <a:effectRef idx="0">
-            <a:schemeClr val="accent1"/>
-          </a:effectRef>
-          <a:fontRef idx="minor">
-            <a:schemeClr val="tx1"/>
-          </a:fontRef>
-        </p:style>
-        <p:txBody>
-          <a:bodyPr rtlCol="0" anchor="ctr"/>
-          <a:lstStyle/>
-          <a:p>
-            <a:pPr algn="ctr"/>
-            <a:endParaRPr lang="en-US"/>
-          </a:p>
-        </p:txBody>
-      </p:sp>
+            <a:ln>
+              <a:solidFill>
+                <a:schemeClr val="tx1"/>
+              </a:solidFill>
+            </a:ln>
+          </p:spPr>
+          <p:style>
+            <a:lnRef idx="2">
+              <a:schemeClr val="accent1">
+                <a:shade val="50000"/>
+              </a:schemeClr>
+            </a:lnRef>
+            <a:fillRef idx="1">
+              <a:schemeClr val="accent1"/>
+            </a:fillRef>
+            <a:effectRef idx="0">
+              <a:schemeClr val="accent1"/>
+            </a:effectRef>
+            <a:fontRef idx="minor">
+              <a:schemeClr val="lt1"/>
+            </a:fontRef>
+          </p:style>
+          <p:txBody>
+            <a:bodyPr rtlCol="0" anchor="ctr"/>
+            <a:lstStyle/>
+            <a:p>
+              <a:pPr algn="ctr"/>
+              <a:endParaRPr lang="en-US"/>
+            </a:p>
+          </p:txBody>
+        </p:sp>
+      </p:grpSp>
     </p:spTree>
     <p:extLst>
       <p:ext uri="{BB962C8B-B14F-4D97-AF65-F5344CB8AC3E}">
-        <p14:creationId xmlns:p14="http://schemas.microsoft.com/office/powerpoint/2010/main" val="1898214035"/>
+        <p14:creationId xmlns:p14="http://schemas.microsoft.com/office/powerpoint/2010/main" val="1445808571"/>
       </p:ext>
     </p:extLst>
   </p:cSld>
